--- a/MS-DOS/Présentation MS-DOS.pptx
+++ b/MS-DOS/Présentation MS-DOS.pptx
@@ -4,15 +4,19 @@
   <p:sldMasterIdLst>
     <p:sldMasterId id="2147483976" r:id="rId1"/>
   </p:sldMasterIdLst>
+  <p:notesMasterIdLst>
+    <p:notesMasterId r:id="rId11"/>
+  </p:notesMasterIdLst>
   <p:sldIdLst>
     <p:sldId id="256" r:id="rId2"/>
     <p:sldId id="257" r:id="rId3"/>
     <p:sldId id="258" r:id="rId4"/>
     <p:sldId id="259" r:id="rId5"/>
     <p:sldId id="260" r:id="rId6"/>
-    <p:sldId id="261" r:id="rId7"/>
-    <p:sldId id="263" r:id="rId8"/>
-    <p:sldId id="262" r:id="rId9"/>
+    <p:sldId id="264" r:id="rId7"/>
+    <p:sldId id="261" r:id="rId8"/>
+    <p:sldId id="263" r:id="rId9"/>
+    <p:sldId id="262" r:id="rId10"/>
   </p:sldIdLst>
   <p:sldSz cx="12192000" cy="6858000"/>
   <p:notesSz cx="6858000" cy="9144000"/>
@@ -113,7 +117,18 @@
   </p:defaultTextStyle>
   <p:extLst>
     <p:ext uri="{EFAFB233-063F-42B5-8137-9DF3F51BA10A}">
-      <p15:sldGuideLst xmlns:p15="http://schemas.microsoft.com/office/powerpoint/2012/main" xmlns=""/>
+      <p15:sldGuideLst xmlns:p15="http://schemas.microsoft.com/office/powerpoint/2012/main">
+        <p15:guide id="1" orient="horz" pos="2160">
+          <p15:clr>
+            <a:srgbClr val="A4A3A4"/>
+          </p15:clr>
+        </p15:guide>
+        <p15:guide id="2" pos="3840">
+          <p15:clr>
+            <a:srgbClr val="A4A3A4"/>
+          </p15:clr>
+        </p15:guide>
+      </p15:sldGuideLst>
     </p:ext>
   </p:extLst>
 </p:presentation>
@@ -3069,6 +3084,38 @@
     </pc:docChg>
   </pc:docChgLst>
   <pc:docChgLst>
+    <pc:chgData name="Najlae Sebbar" userId="9c7b56a0572eb324" providerId="Windows Live" clId="Web-{3DB2741A-E277-4254-99AB-1DCA877B9D25}"/>
+    <pc:docChg chg="modSld">
+      <pc:chgData name="Najlae Sebbar" userId="9c7b56a0572eb324" providerId="Windows Live" clId="Web-{3DB2741A-E277-4254-99AB-1DCA877B9D25}" dt="2020-12-24T08:42:54.568" v="188" actId="20577"/>
+      <pc:docMkLst>
+        <pc:docMk/>
+      </pc:docMkLst>
+      <pc:sldChg chg="modSp">
+        <pc:chgData name="Najlae Sebbar" userId="9c7b56a0572eb324" providerId="Windows Live" clId="Web-{3DB2741A-E277-4254-99AB-1DCA877B9D25}" dt="2020-12-24T08:42:53.849" v="186" actId="20577"/>
+        <pc:sldMkLst>
+          <pc:docMk/>
+          <pc:sldMk cId="1915117142" sldId="261"/>
+        </pc:sldMkLst>
+        <pc:spChg chg="mod">
+          <ac:chgData name="Najlae Sebbar" userId="9c7b56a0572eb324" providerId="Windows Live" clId="Web-{3DB2741A-E277-4254-99AB-1DCA877B9D25}" dt="2020-12-24T08:42:53.849" v="186" actId="20577"/>
+          <ac:spMkLst>
+            <pc:docMk/>
+            <pc:sldMk cId="1915117142" sldId="261"/>
+            <ac:spMk id="2" creationId="{9FD6AC3C-5DB4-412A-B6AE-A69E8547AF90}"/>
+          </ac:spMkLst>
+        </pc:spChg>
+        <pc:spChg chg="mod">
+          <ac:chgData name="Najlae Sebbar" userId="9c7b56a0572eb324" providerId="Windows Live" clId="Web-{3DB2741A-E277-4254-99AB-1DCA877B9D25}" dt="2020-12-24T08:41:37.738" v="180" actId="20577"/>
+          <ac:spMkLst>
+            <pc:docMk/>
+            <pc:sldMk cId="1915117142" sldId="261"/>
+            <ac:spMk id="4" creationId="{1022E0F1-708C-464C-855B-5DFE78AF50CC}"/>
+          </ac:spMkLst>
+        </pc:spChg>
+      </pc:sldChg>
+    </pc:docChg>
+  </pc:docChgLst>
+  <pc:docChgLst>
     <pc:chgData name="Najlae Sebbar" userId="9c7b56a0572eb324" providerId="Windows Live" clId="Web-{4530BC95-81E5-4591-BB2A-5E8643BCD339}"/>
     <pc:docChg chg="addSld delSld modSld addMainMaster delMainMaster">
       <pc:chgData name="Najlae Sebbar" userId="9c7b56a0572eb324" providerId="Windows Live" clId="Web-{4530BC95-81E5-4591-BB2A-5E8643BCD339}" dt="2020-12-27T12:37:15.088" v="150"/>
@@ -4000,38 +4047,6 @@
           </pc:sldLayoutMkLst>
         </pc:sldLayoutChg>
       </pc:sldMasterChg>
-    </pc:docChg>
-  </pc:docChgLst>
-  <pc:docChgLst>
-    <pc:chgData name="Najlae Sebbar" userId="9c7b56a0572eb324" providerId="Windows Live" clId="Web-{3DB2741A-E277-4254-99AB-1DCA877B9D25}"/>
-    <pc:docChg chg="modSld">
-      <pc:chgData name="Najlae Sebbar" userId="9c7b56a0572eb324" providerId="Windows Live" clId="Web-{3DB2741A-E277-4254-99AB-1DCA877B9D25}" dt="2020-12-24T08:42:54.568" v="188" actId="20577"/>
-      <pc:docMkLst>
-        <pc:docMk/>
-      </pc:docMkLst>
-      <pc:sldChg chg="modSp">
-        <pc:chgData name="Najlae Sebbar" userId="9c7b56a0572eb324" providerId="Windows Live" clId="Web-{3DB2741A-E277-4254-99AB-1DCA877B9D25}" dt="2020-12-24T08:42:53.849" v="186" actId="20577"/>
-        <pc:sldMkLst>
-          <pc:docMk/>
-          <pc:sldMk cId="1915117142" sldId="261"/>
-        </pc:sldMkLst>
-        <pc:spChg chg="mod">
-          <ac:chgData name="Najlae Sebbar" userId="9c7b56a0572eb324" providerId="Windows Live" clId="Web-{3DB2741A-E277-4254-99AB-1DCA877B9D25}" dt="2020-12-24T08:42:53.849" v="186" actId="20577"/>
-          <ac:spMkLst>
-            <pc:docMk/>
-            <pc:sldMk cId="1915117142" sldId="261"/>
-            <ac:spMk id="2" creationId="{9FD6AC3C-5DB4-412A-B6AE-A69E8547AF90}"/>
-          </ac:spMkLst>
-        </pc:spChg>
-        <pc:spChg chg="mod">
-          <ac:chgData name="Najlae Sebbar" userId="9c7b56a0572eb324" providerId="Windows Live" clId="Web-{3DB2741A-E277-4254-99AB-1DCA877B9D25}" dt="2020-12-24T08:41:37.738" v="180" actId="20577"/>
-          <ac:spMkLst>
-            <pc:docMk/>
-            <pc:sldMk cId="1915117142" sldId="261"/>
-            <ac:spMk id="4" creationId="{1022E0F1-708C-464C-855B-5DFE78AF50CC}"/>
-          </ac:spMkLst>
-        </pc:spChg>
-      </pc:sldChg>
     </pc:docChg>
   </pc:docChgLst>
 </pc:chgInfo>
@@ -4881,13 +4896,6 @@
         </dgm:presLayoutVars>
       </dgm:prSet>
       <dgm:spPr/>
-      <dgm:t>
-        <a:bodyPr/>
-        <a:lstStyle/>
-        <a:p>
-          <a:endParaRPr lang="fr-FR"/>
-        </a:p>
-      </dgm:t>
     </dgm:pt>
     <dgm:pt modelId="{2B6686CB-F697-44BA-AF61-AF7A566A7480}" type="pres">
       <dgm:prSet presAssocID="{CD7E5B4F-6CBE-4282-9159-E7C14F624A9E}" presName="hierRoot1" presStyleCnt="0"/>
@@ -4908,13 +4916,6 @@
         </dgm:presLayoutVars>
       </dgm:prSet>
       <dgm:spPr/>
-      <dgm:t>
-        <a:bodyPr/>
-        <a:lstStyle/>
-        <a:p>
-          <a:endParaRPr lang="fr-FR"/>
-        </a:p>
-      </dgm:t>
     </dgm:pt>
     <dgm:pt modelId="{582FF1F5-12B3-4FDC-83F4-D550F35C6FAA}" type="pres">
       <dgm:prSet presAssocID="{CD7E5B4F-6CBE-4282-9159-E7C14F624A9E}" presName="hierChild2" presStyleCnt="0"/>
@@ -4939,13 +4940,6 @@
         </dgm:presLayoutVars>
       </dgm:prSet>
       <dgm:spPr/>
-      <dgm:t>
-        <a:bodyPr/>
-        <a:lstStyle/>
-        <a:p>
-          <a:endParaRPr lang="fr-FR"/>
-        </a:p>
-      </dgm:t>
     </dgm:pt>
     <dgm:pt modelId="{E6B077EC-D46A-4539-AA22-BC6FF2209864}" type="pres">
       <dgm:prSet presAssocID="{6457F79B-57D0-40FF-A7F5-EF5B65DCEAEA}" presName="hierChild2" presStyleCnt="0"/>
@@ -4953,11 +4947,11 @@
     </dgm:pt>
   </dgm:ptLst>
   <dgm:cxnLst>
-    <dgm:cxn modelId="{8BF076BF-402A-499A-A42E-25CF51CB6C14}" srcId="{8A184597-CDED-42BC-852F-B49F065F26B4}" destId="{CD7E5B4F-6CBE-4282-9159-E7C14F624A9E}" srcOrd="0" destOrd="0" parTransId="{0989D736-EF18-45B0-9312-DFDE4C442BA8}" sibTransId="{9289D77D-C8EA-4298-8D26-AAE6957749FA}"/>
+    <dgm:cxn modelId="{3F9DF707-B9F7-447B-A853-136D04657F04}" type="presOf" srcId="{CD7E5B4F-6CBE-4282-9159-E7C14F624A9E}" destId="{0C8CE8EB-DFB6-4BA6-A5FE-366CE8C42E66}" srcOrd="0" destOrd="0" presId="urn:microsoft.com/office/officeart/2005/8/layout/hierarchy1"/>
     <dgm:cxn modelId="{4ADE0C8D-5C0F-4A21-B63A-814C4F15E099}" type="presOf" srcId="{6457F79B-57D0-40FF-A7F5-EF5B65DCEAEA}" destId="{C9A04995-08CE-49ED-8CC7-ED4AD52D3BD8}" srcOrd="0" destOrd="0" presId="urn:microsoft.com/office/officeart/2005/8/layout/hierarchy1"/>
     <dgm:cxn modelId="{2DB67E97-2078-4295-A081-42B9F66D81EC}" type="presOf" srcId="{8A184597-CDED-42BC-852F-B49F065F26B4}" destId="{6058D838-A6F2-421F-983F-41F6407DD6FE}" srcOrd="0" destOrd="0" presId="urn:microsoft.com/office/officeart/2005/8/layout/hierarchy1"/>
-    <dgm:cxn modelId="{3F9DF707-B9F7-447B-A853-136D04657F04}" type="presOf" srcId="{CD7E5B4F-6CBE-4282-9159-E7C14F624A9E}" destId="{0C8CE8EB-DFB6-4BA6-A5FE-366CE8C42E66}" srcOrd="0" destOrd="0" presId="urn:microsoft.com/office/officeart/2005/8/layout/hierarchy1"/>
     <dgm:cxn modelId="{CDD86999-7A03-45B6-B3AF-C6F52E03C956}" srcId="{8A184597-CDED-42BC-852F-B49F065F26B4}" destId="{6457F79B-57D0-40FF-A7F5-EF5B65DCEAEA}" srcOrd="1" destOrd="0" parTransId="{95F722EA-6AFD-4793-A877-55FA30C4AFAE}" sibTransId="{9900B49D-F6F4-43F2-9459-DA9C095AA1E4}"/>
+    <dgm:cxn modelId="{8BF076BF-402A-499A-A42E-25CF51CB6C14}" srcId="{8A184597-CDED-42BC-852F-B49F065F26B4}" destId="{CD7E5B4F-6CBE-4282-9159-E7C14F624A9E}" srcOrd="0" destOrd="0" parTransId="{0989D736-EF18-45B0-9312-DFDE4C442BA8}" sibTransId="{9289D77D-C8EA-4298-8D26-AAE6957749FA}"/>
     <dgm:cxn modelId="{B9E26680-E71A-4686-B481-FA32F2DD4B8C}" type="presParOf" srcId="{6058D838-A6F2-421F-983F-41F6407DD6FE}" destId="{2B6686CB-F697-44BA-AF61-AF7A566A7480}" srcOrd="0" destOrd="0" presId="urn:microsoft.com/office/officeart/2005/8/layout/hierarchy1"/>
     <dgm:cxn modelId="{199F8234-F5EC-407D-BB1E-6F33C744ABB5}" type="presParOf" srcId="{2B6686CB-F697-44BA-AF61-AF7A566A7480}" destId="{3C4C8593-FD79-47F0-88FF-48A123CB3ED6}" srcOrd="0" destOrd="0" presId="urn:microsoft.com/office/officeart/2005/8/layout/hierarchy1"/>
     <dgm:cxn modelId="{C47B2708-EAD9-4D56-8205-54C3E0CBF9DE}" type="presParOf" srcId="{3C4C8593-FD79-47F0-88FF-48A123CB3ED6}" destId="{FA0C2283-5CBE-4DAA-9FDB-2D3044231A3D}" srcOrd="0" destOrd="0" presId="urn:microsoft.com/office/officeart/2005/8/layout/hierarchy1"/>
@@ -5095,7 +5089,7 @@
         </a:bodyPr>
         <a:lstStyle/>
         <a:p>
-          <a:pPr lvl="0" algn="ctr" defTabSz="1111250">
+          <a:pPr marL="0" lvl="0" indent="0" algn="ctr" defTabSz="1111250">
             <a:lnSpc>
               <a:spcPct val="90000"/>
             </a:lnSpc>
@@ -5105,6 +5099,7 @@
             <a:spcAft>
               <a:spcPct val="35000"/>
             </a:spcAft>
+            <a:buNone/>
           </a:pPr>
           <a:r>
             <a:rPr lang="en-US" sz="2500" kern="1200"/>
@@ -5225,7 +5220,7 @@
         </a:bodyPr>
         <a:lstStyle/>
         <a:p>
-          <a:pPr lvl="0" algn="ctr" defTabSz="1111250">
+          <a:pPr marL="0" lvl="0" indent="0" algn="ctr" defTabSz="1111250">
             <a:lnSpc>
               <a:spcPct val="90000"/>
             </a:lnSpc>
@@ -5235,6 +5230,7 @@
             <a:spcAft>
               <a:spcPct val="35000"/>
             </a:spcAft>
+            <a:buNone/>
           </a:pPr>
           <a:r>
             <a:rPr lang="en-US" sz="2500" kern="1200"/>
@@ -6848,6 +6844,439 @@
 </dgm:styleDef>
 </file>
 
+<file path=ppt/notesMasters/notesMaster1.xml><?xml version="1.0" encoding="utf-8"?>
+<p:notesMaster xmlns:a="http://schemas.openxmlformats.org/drawingml/2006/main" xmlns:r="http://schemas.openxmlformats.org/officeDocument/2006/relationships" xmlns:p="http://schemas.openxmlformats.org/presentationml/2006/main">
+  <p:cSld>
+    <p:bg>
+      <p:bgRef idx="1001">
+        <a:schemeClr val="bg1"/>
+      </p:bgRef>
+    </p:bg>
+    <p:spTree>
+      <p:nvGrpSpPr>
+        <p:cNvPr id="1" name=""/>
+        <p:cNvGrpSpPr/>
+        <p:nvPr/>
+      </p:nvGrpSpPr>
+      <p:grpSpPr>
+        <a:xfrm>
+          <a:off x="0" y="0"/>
+          <a:ext cx="0" cy="0"/>
+          <a:chOff x="0" y="0"/>
+          <a:chExt cx="0" cy="0"/>
+        </a:xfrm>
+      </p:grpSpPr>
+      <p:sp>
+        <p:nvSpPr>
+          <p:cNvPr id="2" name="Espace réservé de l'en-tête 1"/>
+          <p:cNvSpPr>
+            <a:spLocks noGrp="1"/>
+          </p:cNvSpPr>
+          <p:nvPr>
+            <p:ph type="hdr" sz="quarter"/>
+          </p:nvPr>
+        </p:nvSpPr>
+        <p:spPr>
+          <a:xfrm>
+            <a:off x="0" y="0"/>
+            <a:ext cx="2971800" cy="458788"/>
+          </a:xfrm>
+          <a:prstGeom prst="rect">
+            <a:avLst/>
+          </a:prstGeom>
+        </p:spPr>
+        <p:txBody>
+          <a:bodyPr vert="horz" lIns="91440" tIns="45720" rIns="91440" bIns="45720" rtlCol="0"/>
+          <a:lstStyle>
+            <a:lvl1pPr algn="l">
+              <a:defRPr sz="1200"/>
+            </a:lvl1pPr>
+          </a:lstStyle>
+          <a:p>
+            <a:endParaRPr lang="fr-FR"/>
+          </a:p>
+        </p:txBody>
+      </p:sp>
+      <p:sp>
+        <p:nvSpPr>
+          <p:cNvPr id="3" name="Espace réservé de la date 2"/>
+          <p:cNvSpPr>
+            <a:spLocks noGrp="1"/>
+          </p:cNvSpPr>
+          <p:nvPr>
+            <p:ph type="dt" idx="1"/>
+          </p:nvPr>
+        </p:nvSpPr>
+        <p:spPr>
+          <a:xfrm>
+            <a:off x="3884613" y="0"/>
+            <a:ext cx="2971800" cy="458788"/>
+          </a:xfrm>
+          <a:prstGeom prst="rect">
+            <a:avLst/>
+          </a:prstGeom>
+        </p:spPr>
+        <p:txBody>
+          <a:bodyPr vert="horz" lIns="91440" tIns="45720" rIns="91440" bIns="45720" rtlCol="0"/>
+          <a:lstStyle>
+            <a:lvl1pPr algn="r">
+              <a:defRPr sz="1200"/>
+            </a:lvl1pPr>
+          </a:lstStyle>
+          <a:p>
+            <a:fld id="{6A5B365B-3718-4C2C-865E-F873E7F29321}" type="datetimeFigureOut">
+              <a:rPr lang="fr-FR" smtClean="0"/>
+              <a:t>14/06/2021</a:t>
+            </a:fld>
+            <a:endParaRPr lang="fr-FR"/>
+          </a:p>
+        </p:txBody>
+      </p:sp>
+      <p:sp>
+        <p:nvSpPr>
+          <p:cNvPr id="4" name="Espace réservé de l'image des diapositives 3"/>
+          <p:cNvSpPr>
+            <a:spLocks noGrp="1" noRot="1" noChangeAspect="1"/>
+          </p:cNvSpPr>
+          <p:nvPr>
+            <p:ph type="sldImg" idx="2"/>
+          </p:nvPr>
+        </p:nvSpPr>
+        <p:spPr>
+          <a:xfrm>
+            <a:off x="685800" y="1143000"/>
+            <a:ext cx="5486400" cy="3086100"/>
+          </a:xfrm>
+          <a:prstGeom prst="rect">
+            <a:avLst/>
+          </a:prstGeom>
+          <a:noFill/>
+          <a:ln w="12700">
+            <a:solidFill>
+              <a:prstClr val="black"/>
+            </a:solidFill>
+          </a:ln>
+        </p:spPr>
+        <p:txBody>
+          <a:bodyPr vert="horz" lIns="91440" tIns="45720" rIns="91440" bIns="45720" rtlCol="0" anchor="ctr"/>
+          <a:lstStyle/>
+          <a:p>
+            <a:endParaRPr lang="fr-FR"/>
+          </a:p>
+        </p:txBody>
+      </p:sp>
+      <p:sp>
+        <p:nvSpPr>
+          <p:cNvPr id="5" name="Espace réservé des notes 4"/>
+          <p:cNvSpPr>
+            <a:spLocks noGrp="1"/>
+          </p:cNvSpPr>
+          <p:nvPr>
+            <p:ph type="body" sz="quarter" idx="3"/>
+          </p:nvPr>
+        </p:nvSpPr>
+        <p:spPr>
+          <a:xfrm>
+            <a:off x="685800" y="4400550"/>
+            <a:ext cx="5486400" cy="3600450"/>
+          </a:xfrm>
+          <a:prstGeom prst="rect">
+            <a:avLst/>
+          </a:prstGeom>
+        </p:spPr>
+        <p:txBody>
+          <a:bodyPr vert="horz" lIns="91440" tIns="45720" rIns="91440" bIns="45720" rtlCol="0"/>
+          <a:lstStyle/>
+          <a:p>
+            <a:pPr lvl="0"/>
+            <a:r>
+              <a:rPr lang="fr-FR"/>
+              <a:t>Cliquez pour modifier les styles du texte du masque</a:t>
+            </a:r>
+          </a:p>
+          <a:p>
+            <a:pPr lvl="1"/>
+            <a:r>
+              <a:rPr lang="fr-FR"/>
+              <a:t>Deuxième niveau</a:t>
+            </a:r>
+          </a:p>
+          <a:p>
+            <a:pPr lvl="2"/>
+            <a:r>
+              <a:rPr lang="fr-FR"/>
+              <a:t>Troisième niveau</a:t>
+            </a:r>
+          </a:p>
+          <a:p>
+            <a:pPr lvl="3"/>
+            <a:r>
+              <a:rPr lang="fr-FR"/>
+              <a:t>Quatrième niveau</a:t>
+            </a:r>
+          </a:p>
+          <a:p>
+            <a:pPr lvl="4"/>
+            <a:r>
+              <a:rPr lang="fr-FR"/>
+              <a:t>Cinquième niveau</a:t>
+            </a:r>
+          </a:p>
+        </p:txBody>
+      </p:sp>
+      <p:sp>
+        <p:nvSpPr>
+          <p:cNvPr id="6" name="Espace réservé du pied de page 5"/>
+          <p:cNvSpPr>
+            <a:spLocks noGrp="1"/>
+          </p:cNvSpPr>
+          <p:nvPr>
+            <p:ph type="ftr" sz="quarter" idx="4"/>
+          </p:nvPr>
+        </p:nvSpPr>
+        <p:spPr>
+          <a:xfrm>
+            <a:off x="0" y="8685213"/>
+            <a:ext cx="2971800" cy="458787"/>
+          </a:xfrm>
+          <a:prstGeom prst="rect">
+            <a:avLst/>
+          </a:prstGeom>
+        </p:spPr>
+        <p:txBody>
+          <a:bodyPr vert="horz" lIns="91440" tIns="45720" rIns="91440" bIns="45720" rtlCol="0" anchor="b"/>
+          <a:lstStyle>
+            <a:lvl1pPr algn="l">
+              <a:defRPr sz="1200"/>
+            </a:lvl1pPr>
+          </a:lstStyle>
+          <a:p>
+            <a:endParaRPr lang="fr-FR"/>
+          </a:p>
+        </p:txBody>
+      </p:sp>
+      <p:sp>
+        <p:nvSpPr>
+          <p:cNvPr id="7" name="Espace réservé du numéro de diapositive 6"/>
+          <p:cNvSpPr>
+            <a:spLocks noGrp="1"/>
+          </p:cNvSpPr>
+          <p:nvPr>
+            <p:ph type="sldNum" sz="quarter" idx="5"/>
+          </p:nvPr>
+        </p:nvSpPr>
+        <p:spPr>
+          <a:xfrm>
+            <a:off x="3884613" y="8685213"/>
+            <a:ext cx="2971800" cy="458787"/>
+          </a:xfrm>
+          <a:prstGeom prst="rect">
+            <a:avLst/>
+          </a:prstGeom>
+        </p:spPr>
+        <p:txBody>
+          <a:bodyPr vert="horz" lIns="91440" tIns="45720" rIns="91440" bIns="45720" rtlCol="0" anchor="b"/>
+          <a:lstStyle>
+            <a:lvl1pPr algn="r">
+              <a:defRPr sz="1200"/>
+            </a:lvl1pPr>
+          </a:lstStyle>
+          <a:p>
+            <a:fld id="{ACB74C40-9930-411A-9E9E-4824D69F1D5A}" type="slidenum">
+              <a:rPr lang="fr-FR" smtClean="0"/>
+              <a:t>‹N°›</a:t>
+            </a:fld>
+            <a:endParaRPr lang="fr-FR"/>
+          </a:p>
+        </p:txBody>
+      </p:sp>
+    </p:spTree>
+    <p:extLst>
+      <p:ext uri="{BB962C8B-B14F-4D97-AF65-F5344CB8AC3E}">
+        <p14:creationId xmlns:p14="http://schemas.microsoft.com/office/powerpoint/2010/main" val="1245657148"/>
+      </p:ext>
+    </p:extLst>
+  </p:cSld>
+  <p:clrMap bg1="lt1" tx1="dk1" bg2="lt2" tx2="dk2" accent1="accent1" accent2="accent2" accent3="accent3" accent4="accent4" accent5="accent5" accent6="accent6" hlink="hlink" folHlink="folHlink"/>
+  <p:notesStyle>
+    <a:lvl1pPr marL="0" algn="l" defTabSz="914400" rtl="0" eaLnBrk="1" latinLnBrk="0" hangingPunct="1">
+      <a:defRPr sz="1200" kern="1200">
+        <a:solidFill>
+          <a:schemeClr val="tx1"/>
+        </a:solidFill>
+        <a:latin typeface="+mn-lt"/>
+        <a:ea typeface="+mn-ea"/>
+        <a:cs typeface="+mn-cs"/>
+      </a:defRPr>
+    </a:lvl1pPr>
+    <a:lvl2pPr marL="457200" algn="l" defTabSz="914400" rtl="0" eaLnBrk="1" latinLnBrk="0" hangingPunct="1">
+      <a:defRPr sz="1200" kern="1200">
+        <a:solidFill>
+          <a:schemeClr val="tx1"/>
+        </a:solidFill>
+        <a:latin typeface="+mn-lt"/>
+        <a:ea typeface="+mn-ea"/>
+        <a:cs typeface="+mn-cs"/>
+      </a:defRPr>
+    </a:lvl2pPr>
+    <a:lvl3pPr marL="914400" algn="l" defTabSz="914400" rtl="0" eaLnBrk="1" latinLnBrk="0" hangingPunct="1">
+      <a:defRPr sz="1200" kern="1200">
+        <a:solidFill>
+          <a:schemeClr val="tx1"/>
+        </a:solidFill>
+        <a:latin typeface="+mn-lt"/>
+        <a:ea typeface="+mn-ea"/>
+        <a:cs typeface="+mn-cs"/>
+      </a:defRPr>
+    </a:lvl3pPr>
+    <a:lvl4pPr marL="1371600" algn="l" defTabSz="914400" rtl="0" eaLnBrk="1" latinLnBrk="0" hangingPunct="1">
+      <a:defRPr sz="1200" kern="1200">
+        <a:solidFill>
+          <a:schemeClr val="tx1"/>
+        </a:solidFill>
+        <a:latin typeface="+mn-lt"/>
+        <a:ea typeface="+mn-ea"/>
+        <a:cs typeface="+mn-cs"/>
+      </a:defRPr>
+    </a:lvl4pPr>
+    <a:lvl5pPr marL="1828800" algn="l" defTabSz="914400" rtl="0" eaLnBrk="1" latinLnBrk="0" hangingPunct="1">
+      <a:defRPr sz="1200" kern="1200">
+        <a:solidFill>
+          <a:schemeClr val="tx1"/>
+        </a:solidFill>
+        <a:latin typeface="+mn-lt"/>
+        <a:ea typeface="+mn-ea"/>
+        <a:cs typeface="+mn-cs"/>
+      </a:defRPr>
+    </a:lvl5pPr>
+    <a:lvl6pPr marL="2286000" algn="l" defTabSz="914400" rtl="0" eaLnBrk="1" latinLnBrk="0" hangingPunct="1">
+      <a:defRPr sz="1200" kern="1200">
+        <a:solidFill>
+          <a:schemeClr val="tx1"/>
+        </a:solidFill>
+        <a:latin typeface="+mn-lt"/>
+        <a:ea typeface="+mn-ea"/>
+        <a:cs typeface="+mn-cs"/>
+      </a:defRPr>
+    </a:lvl6pPr>
+    <a:lvl7pPr marL="2743200" algn="l" defTabSz="914400" rtl="0" eaLnBrk="1" latinLnBrk="0" hangingPunct="1">
+      <a:defRPr sz="1200" kern="1200">
+        <a:solidFill>
+          <a:schemeClr val="tx1"/>
+        </a:solidFill>
+        <a:latin typeface="+mn-lt"/>
+        <a:ea typeface="+mn-ea"/>
+        <a:cs typeface="+mn-cs"/>
+      </a:defRPr>
+    </a:lvl7pPr>
+    <a:lvl8pPr marL="3200400" algn="l" defTabSz="914400" rtl="0" eaLnBrk="1" latinLnBrk="0" hangingPunct="1">
+      <a:defRPr sz="1200" kern="1200">
+        <a:solidFill>
+          <a:schemeClr val="tx1"/>
+        </a:solidFill>
+        <a:latin typeface="+mn-lt"/>
+        <a:ea typeface="+mn-ea"/>
+        <a:cs typeface="+mn-cs"/>
+      </a:defRPr>
+    </a:lvl8pPr>
+    <a:lvl9pPr marL="3657600" algn="l" defTabSz="914400" rtl="0" eaLnBrk="1" latinLnBrk="0" hangingPunct="1">
+      <a:defRPr sz="1200" kern="1200">
+        <a:solidFill>
+          <a:schemeClr val="tx1"/>
+        </a:solidFill>
+        <a:latin typeface="+mn-lt"/>
+        <a:ea typeface="+mn-ea"/>
+        <a:cs typeface="+mn-cs"/>
+      </a:defRPr>
+    </a:lvl9pPr>
+  </p:notesStyle>
+</p:notesMaster>
+</file>
+
+<file path=ppt/notesSlides/notesSlide1.xml><?xml version="1.0" encoding="utf-8"?>
+<p:notes xmlns:a="http://schemas.openxmlformats.org/drawingml/2006/main" xmlns:r="http://schemas.openxmlformats.org/officeDocument/2006/relationships" xmlns:p="http://schemas.openxmlformats.org/presentationml/2006/main">
+  <p:cSld>
+    <p:spTree>
+      <p:nvGrpSpPr>
+        <p:cNvPr id="1" name=""/>
+        <p:cNvGrpSpPr/>
+        <p:nvPr/>
+      </p:nvGrpSpPr>
+      <p:grpSpPr>
+        <a:xfrm>
+          <a:off x="0" y="0"/>
+          <a:ext cx="0" cy="0"/>
+          <a:chOff x="0" y="0"/>
+          <a:chExt cx="0" cy="0"/>
+        </a:xfrm>
+      </p:grpSpPr>
+      <p:sp>
+        <p:nvSpPr>
+          <p:cNvPr id="2" name="Espace réservé de l'image des diapositives 1"/>
+          <p:cNvSpPr>
+            <a:spLocks noGrp="1" noRot="1" noChangeAspect="1"/>
+          </p:cNvSpPr>
+          <p:nvPr>
+            <p:ph type="sldImg"/>
+          </p:nvPr>
+        </p:nvSpPr>
+        <p:spPr/>
+      </p:sp>
+      <p:sp>
+        <p:nvSpPr>
+          <p:cNvPr id="3" name="Espace réservé des notes 2"/>
+          <p:cNvSpPr>
+            <a:spLocks noGrp="1"/>
+          </p:cNvSpPr>
+          <p:nvPr>
+            <p:ph type="body" idx="1"/>
+          </p:nvPr>
+        </p:nvSpPr>
+        <p:spPr/>
+        <p:txBody>
+          <a:bodyPr/>
+          <a:lstStyle/>
+          <a:p>
+            <a:endParaRPr lang="fr-FR" dirty="0"/>
+          </a:p>
+        </p:txBody>
+      </p:sp>
+      <p:sp>
+        <p:nvSpPr>
+          <p:cNvPr id="4" name="Espace réservé du numéro de diapositive 3"/>
+          <p:cNvSpPr>
+            <a:spLocks noGrp="1"/>
+          </p:cNvSpPr>
+          <p:nvPr>
+            <p:ph type="sldNum" sz="quarter" idx="5"/>
+          </p:nvPr>
+        </p:nvSpPr>
+        <p:spPr/>
+        <p:txBody>
+          <a:bodyPr/>
+          <a:lstStyle/>
+          <a:p>
+            <a:fld id="{ACB74C40-9930-411A-9E9E-4824D69F1D5A}" type="slidenum">
+              <a:rPr lang="fr-FR" smtClean="0"/>
+              <a:t>6</a:t>
+            </a:fld>
+            <a:endParaRPr lang="fr-FR"/>
+          </a:p>
+        </p:txBody>
+      </p:sp>
+    </p:spTree>
+    <p:extLst>
+      <p:ext uri="{BB962C8B-B14F-4D97-AF65-F5344CB8AC3E}">
+        <p14:creationId xmlns:p14="http://schemas.microsoft.com/office/powerpoint/2010/main" val="3967462869"/>
+      </p:ext>
+    </p:extLst>
+  </p:cSld>
+  <p:clrMapOvr>
+    <a:masterClrMapping/>
+  </p:clrMapOvr>
+</p:notes>
+</file>
+
 <file path=ppt/slideLayouts/slideLayout1.xml><?xml version="1.0" encoding="utf-8"?>
 <p:sldLayout xmlns:a="http://schemas.openxmlformats.org/drawingml/2006/main" xmlns:r="http://schemas.openxmlformats.org/officeDocument/2006/relationships" xmlns:p="http://schemas.openxmlformats.org/presentationml/2006/main" type="title" preserve="1">
   <p:cSld name="Title Slide">
@@ -6977,7 +7406,7 @@
           <a:p>
             <a:fld id="{C764DE79-268F-4C1A-8933-263129D2AF90}" type="datetimeFigureOut">
               <a:rPr lang="en-US" dirty="0"/>
-              <a:t>2/23/2021</a:t>
+              <a:t>6/14/2021</a:t>
             </a:fld>
             <a:endParaRPr lang="en-US" dirty="0"/>
           </a:p>
@@ -7145,7 +7574,7 @@
           <a:p>
             <a:fld id="{C764DE79-268F-4C1A-8933-263129D2AF90}" type="datetimeFigureOut">
               <a:rPr lang="en-US" dirty="0"/>
-              <a:t>2/23/2021</a:t>
+              <a:t>6/14/2021</a:t>
             </a:fld>
             <a:endParaRPr lang="en-US" dirty="0"/>
           </a:p>
@@ -7323,7 +7752,7 @@
           <a:p>
             <a:fld id="{C764DE79-268F-4C1A-8933-263129D2AF90}" type="datetimeFigureOut">
               <a:rPr lang="en-US" dirty="0"/>
-              <a:t>2/23/2021</a:t>
+              <a:t>6/14/2021</a:t>
             </a:fld>
             <a:endParaRPr lang="en-US" dirty="0"/>
           </a:p>
@@ -7491,7 +7920,7 @@
           <a:p>
             <a:fld id="{C764DE79-268F-4C1A-8933-263129D2AF90}" type="datetimeFigureOut">
               <a:rPr lang="en-US" dirty="0"/>
-              <a:t>2/23/2021</a:t>
+              <a:t>6/14/2021</a:t>
             </a:fld>
             <a:endParaRPr lang="en-US" dirty="0"/>
           </a:p>
@@ -7736,7 +8165,7 @@
           <a:p>
             <a:fld id="{C764DE79-268F-4C1A-8933-263129D2AF90}" type="datetimeFigureOut">
               <a:rPr lang="en-US" dirty="0"/>
-              <a:t>2/23/2021</a:t>
+              <a:t>6/14/2021</a:t>
             </a:fld>
             <a:endParaRPr lang="en-US" dirty="0"/>
           </a:p>
@@ -7965,7 +8394,7 @@
           <a:p>
             <a:fld id="{C764DE79-268F-4C1A-8933-263129D2AF90}" type="datetimeFigureOut">
               <a:rPr lang="en-US" dirty="0"/>
-              <a:t>2/23/2021</a:t>
+              <a:t>6/14/2021</a:t>
             </a:fld>
             <a:endParaRPr lang="en-US" dirty="0"/>
           </a:p>
@@ -8329,7 +8758,7 @@
           <a:p>
             <a:fld id="{C764DE79-268F-4C1A-8933-263129D2AF90}" type="datetimeFigureOut">
               <a:rPr lang="en-US" dirty="0"/>
-              <a:t>2/23/2021</a:t>
+              <a:t>6/14/2021</a:t>
             </a:fld>
             <a:endParaRPr lang="en-US" dirty="0"/>
           </a:p>
@@ -8446,7 +8875,7 @@
           <a:p>
             <a:fld id="{C764DE79-268F-4C1A-8933-263129D2AF90}" type="datetimeFigureOut">
               <a:rPr lang="en-US" dirty="0"/>
-              <a:t>2/23/2021</a:t>
+              <a:t>6/14/2021</a:t>
             </a:fld>
             <a:endParaRPr lang="en-US" dirty="0"/>
           </a:p>
@@ -8541,7 +8970,7 @@
           <a:p>
             <a:fld id="{C764DE79-268F-4C1A-8933-263129D2AF90}" type="datetimeFigureOut">
               <a:rPr lang="en-US" dirty="0"/>
-              <a:t>2/23/2021</a:t>
+              <a:t>6/14/2021</a:t>
             </a:fld>
             <a:endParaRPr lang="en-US" dirty="0"/>
           </a:p>
@@ -8816,7 +9245,7 @@
           <a:p>
             <a:fld id="{C764DE79-268F-4C1A-8933-263129D2AF90}" type="datetimeFigureOut">
               <a:rPr lang="en-US" dirty="0"/>
-              <a:t>2/23/2021</a:t>
+              <a:t>6/14/2021</a:t>
             </a:fld>
             <a:endParaRPr lang="en-US" dirty="0"/>
           </a:p>
@@ -9068,7 +9497,7 @@
           <a:p>
             <a:fld id="{C764DE79-268F-4C1A-8933-263129D2AF90}" type="datetimeFigureOut">
               <a:rPr lang="en-US" dirty="0"/>
-              <a:t>2/23/2021</a:t>
+              <a:t>6/14/2021</a:t>
             </a:fld>
             <a:endParaRPr lang="en-US" dirty="0"/>
           </a:p>
@@ -9279,7 +9708,7 @@
           <a:p>
             <a:fld id="{C764DE79-268F-4C1A-8933-263129D2AF90}" type="datetimeFigureOut">
               <a:rPr lang="en-US" dirty="0"/>
-              <a:t>2/23/2021</a:t>
+              <a:t>6/14/2021</a:t>
             </a:fld>
             <a:endParaRPr lang="en-US" dirty="0"/>
           </a:p>
@@ -9697,10 +10126,10 @@
           <p:cNvPr id="39" name="Rectangle 38">
             <a:extLst>
               <a:ext uri="{FF2B5EF4-FFF2-40B4-BE49-F238E27FC236}">
-                <a16:creationId xmlns:a16="http://schemas.microsoft.com/office/drawing/2014/main" xmlns="" id="{CDA1A2E9-63FE-408D-A803-8E306ECAB4B3}"/>
+                <a16:creationId xmlns:a16="http://schemas.microsoft.com/office/drawing/2014/main" id="{CDA1A2E9-63FE-408D-A803-8E306ECAB4B3}"/>
               </a:ext>
               <a:ext uri="{C183D7F6-B498-43B3-948B-1728B52AA6E4}">
-                <adec:decorative xmlns:adec="http://schemas.microsoft.com/office/drawing/2017/decorative" xmlns="" val="1"/>
+                <adec:decorative xmlns:adec="http://schemas.microsoft.com/office/drawing/2017/decorative" val="1"/>
               </a:ext>
             </a:extLst>
           </p:cNvPr>
@@ -9710,7 +10139,7 @@
           <p:nvPr>
             <p:extLst>
               <p:ext uri="{386F3935-93C4-4BCD-93E2-E3B085C9AB24}">
-                <p16:designElem xmlns:p16="http://schemas.microsoft.com/office/powerpoint/2015/main" xmlns="" val="1"/>
+                <p16:designElem xmlns:p16="http://schemas.microsoft.com/office/powerpoint/2015/main" val="1"/>
               </p:ext>
             </p:extLst>
           </p:nvPr>
@@ -9797,10 +10226,10 @@
           <p:cNvPr id="41" name="Rectangle 40">
             <a:extLst>
               <a:ext uri="{FF2B5EF4-FFF2-40B4-BE49-F238E27FC236}">
-                <a16:creationId xmlns:a16="http://schemas.microsoft.com/office/drawing/2014/main" xmlns="" id="{DAE8F46F-D590-45CD-AF41-A04DC11D1BB4}"/>
+                <a16:creationId xmlns:a16="http://schemas.microsoft.com/office/drawing/2014/main" id="{DAE8F46F-D590-45CD-AF41-A04DC11D1BB4}"/>
               </a:ext>
               <a:ext uri="{C183D7F6-B498-43B3-948B-1728B52AA6E4}">
-                <adec:decorative xmlns:adec="http://schemas.microsoft.com/office/drawing/2017/decorative" xmlns="" val="1"/>
+                <adec:decorative xmlns:adec="http://schemas.microsoft.com/office/drawing/2017/decorative" val="1"/>
               </a:ext>
             </a:extLst>
           </p:cNvPr>
@@ -9810,7 +10239,7 @@
           <p:nvPr>
             <p:extLst>
               <p:ext uri="{386F3935-93C4-4BCD-93E2-E3B085C9AB24}">
-                <p16:designElem xmlns:p16="http://schemas.microsoft.com/office/powerpoint/2015/main" xmlns="" val="1"/>
+                <p16:designElem xmlns:p16="http://schemas.microsoft.com/office/powerpoint/2015/main" val="1"/>
               </p:ext>
             </p:extLst>
           </p:nvPr>
@@ -9866,10 +10295,10 @@
           <p:cNvPr id="43" name="Rectangle 42">
             <a:extLst>
               <a:ext uri="{FF2B5EF4-FFF2-40B4-BE49-F238E27FC236}">
-                <a16:creationId xmlns:a16="http://schemas.microsoft.com/office/drawing/2014/main" xmlns="" id="{FBE9F90C-C163-435B-9A68-D15C92D1CF2B}"/>
+                <a16:creationId xmlns:a16="http://schemas.microsoft.com/office/drawing/2014/main" id="{FBE9F90C-C163-435B-9A68-D15C92D1CF2B}"/>
               </a:ext>
               <a:ext uri="{C183D7F6-B498-43B3-948B-1728B52AA6E4}">
-                <adec:decorative xmlns:adec="http://schemas.microsoft.com/office/drawing/2017/decorative" xmlns="" val="1"/>
+                <adec:decorative xmlns:adec="http://schemas.microsoft.com/office/drawing/2017/decorative" val="1"/>
               </a:ext>
             </a:extLst>
           </p:cNvPr>
@@ -9879,7 +10308,7 @@
           <p:nvPr>
             <p:extLst>
               <p:ext uri="{386F3935-93C4-4BCD-93E2-E3B085C9AB24}">
-                <p16:designElem xmlns:p16="http://schemas.microsoft.com/office/powerpoint/2015/main" xmlns="" val="1"/>
+                <p16:designElem xmlns:p16="http://schemas.microsoft.com/office/powerpoint/2015/main" val="1"/>
               </p:ext>
             </p:extLst>
           </p:nvPr>
@@ -10018,10 +10447,10 @@
           <p:cNvPr id="45" name="Rectangle 44">
             <a:extLst>
               <a:ext uri="{FF2B5EF4-FFF2-40B4-BE49-F238E27FC236}">
-                <a16:creationId xmlns:a16="http://schemas.microsoft.com/office/drawing/2014/main" xmlns="" id="{1A882A9F-F4E9-4E23-8F0B-20B5DF42EAA9}"/>
+                <a16:creationId xmlns:a16="http://schemas.microsoft.com/office/drawing/2014/main" id="{1A882A9F-F4E9-4E23-8F0B-20B5DF42EAA9}"/>
               </a:ext>
               <a:ext uri="{C183D7F6-B498-43B3-948B-1728B52AA6E4}">
-                <adec:decorative xmlns:adec="http://schemas.microsoft.com/office/drawing/2017/decorative" xmlns="" val="1"/>
+                <adec:decorative xmlns:adec="http://schemas.microsoft.com/office/drawing/2017/decorative" val="1"/>
               </a:ext>
             </a:extLst>
           </p:cNvPr>
@@ -10031,7 +10460,7 @@
           <p:nvPr>
             <p:extLst>
               <p:ext uri="{386F3935-93C4-4BCD-93E2-E3B085C9AB24}">
-                <p16:designElem xmlns:p16="http://schemas.microsoft.com/office/powerpoint/2015/main" xmlns="" val="1"/>
+                <p16:designElem xmlns:p16="http://schemas.microsoft.com/office/powerpoint/2015/main" val="1"/>
               </p:ext>
             </p:extLst>
           </p:nvPr>
@@ -10123,10 +10552,10 @@
           <p:cNvPr id="23" name="Rectangle 22">
             <a:extLst>
               <a:ext uri="{FF2B5EF4-FFF2-40B4-BE49-F238E27FC236}">
-                <a16:creationId xmlns:a16="http://schemas.microsoft.com/office/drawing/2014/main" xmlns="" id="{B775CD93-9DF2-48CB-9F57-1BCA9A46C7FA}"/>
+                <a16:creationId xmlns:a16="http://schemas.microsoft.com/office/drawing/2014/main" id="{B775CD93-9DF2-48CB-9F57-1BCA9A46C7FA}"/>
               </a:ext>
               <a:ext uri="{C183D7F6-B498-43B3-948B-1728B52AA6E4}">
-                <adec:decorative xmlns:adec="http://schemas.microsoft.com/office/drawing/2017/decorative" xmlns="" val="1"/>
+                <adec:decorative xmlns:adec="http://schemas.microsoft.com/office/drawing/2017/decorative" val="1"/>
               </a:ext>
             </a:extLst>
           </p:cNvPr>
@@ -10136,7 +10565,7 @@
           <p:nvPr>
             <p:extLst>
               <p:ext uri="{386F3935-93C4-4BCD-93E2-E3B085C9AB24}">
-                <p16:designElem xmlns:p16="http://schemas.microsoft.com/office/powerpoint/2015/main" xmlns="" val="1"/>
+                <p16:designElem xmlns:p16="http://schemas.microsoft.com/office/powerpoint/2015/main" val="1"/>
               </p:ext>
             </p:extLst>
           </p:nvPr>
@@ -10190,7 +10619,7 @@
           <p:cNvPr id="2" name="Title 1">
             <a:extLst>
               <a:ext uri="{FF2B5EF4-FFF2-40B4-BE49-F238E27FC236}">
-                <a16:creationId xmlns:a16="http://schemas.microsoft.com/office/drawing/2014/main" xmlns="" id="{96B45687-2570-449C-93FC-82B9D05727DF}"/>
+                <a16:creationId xmlns:a16="http://schemas.microsoft.com/office/drawing/2014/main" id="{96B45687-2570-449C-93FC-82B9D05727DF}"/>
               </a:ext>
             </a:extLst>
           </p:cNvPr>
@@ -10231,10 +10660,10 @@
           <p:cNvPr id="25" name="Rectangle 24">
             <a:extLst>
               <a:ext uri="{FF2B5EF4-FFF2-40B4-BE49-F238E27FC236}">
-                <a16:creationId xmlns:a16="http://schemas.microsoft.com/office/drawing/2014/main" xmlns="" id="{1C091803-41C2-48E0-9228-5148460C7479}"/>
+                <a16:creationId xmlns:a16="http://schemas.microsoft.com/office/drawing/2014/main" id="{1C091803-41C2-48E0-9228-5148460C7479}"/>
               </a:ext>
               <a:ext uri="{C183D7F6-B498-43B3-948B-1728B52AA6E4}">
-                <adec:decorative xmlns:adec="http://schemas.microsoft.com/office/drawing/2017/decorative" xmlns="" val="1"/>
+                <adec:decorative xmlns:adec="http://schemas.microsoft.com/office/drawing/2017/decorative" val="1"/>
               </a:ext>
             </a:extLst>
           </p:cNvPr>
@@ -10244,7 +10673,7 @@
           <p:nvPr>
             <p:extLst>
               <p:ext uri="{386F3935-93C4-4BCD-93E2-E3B085C9AB24}">
-                <p16:designElem xmlns:p16="http://schemas.microsoft.com/office/powerpoint/2015/main" xmlns="" val="1"/>
+                <p16:designElem xmlns:p16="http://schemas.microsoft.com/office/powerpoint/2015/main" val="1"/>
               </p:ext>
             </p:extLst>
           </p:nvPr>
@@ -10298,7 +10727,7 @@
           <p:cNvPr id="3" name="Content Placeholder 2">
             <a:extLst>
               <a:ext uri="{FF2B5EF4-FFF2-40B4-BE49-F238E27FC236}">
-                <a16:creationId xmlns:a16="http://schemas.microsoft.com/office/drawing/2014/main" xmlns="" id="{006550D3-1094-4AE2-B9E0-229DF4774976}"/>
+                <a16:creationId xmlns:a16="http://schemas.microsoft.com/office/drawing/2014/main" id="{006550D3-1094-4AE2-B9E0-229DF4774976}"/>
               </a:ext>
             </a:extLst>
           </p:cNvPr>
@@ -10360,10 +10789,10 @@
           <p:cNvPr id="27" name="Rectangle 26">
             <a:extLst>
               <a:ext uri="{FF2B5EF4-FFF2-40B4-BE49-F238E27FC236}">
-                <a16:creationId xmlns:a16="http://schemas.microsoft.com/office/drawing/2014/main" xmlns="" id="{E186B68C-84BC-4A6E-99D1-EE87483C1349}"/>
+                <a16:creationId xmlns:a16="http://schemas.microsoft.com/office/drawing/2014/main" id="{E186B68C-84BC-4A6E-99D1-EE87483C1349}"/>
               </a:ext>
               <a:ext uri="{C183D7F6-B498-43B3-948B-1728B52AA6E4}">
-                <adec:decorative xmlns:adec="http://schemas.microsoft.com/office/drawing/2017/decorative" xmlns="" val="1"/>
+                <adec:decorative xmlns:adec="http://schemas.microsoft.com/office/drawing/2017/decorative" val="1"/>
               </a:ext>
             </a:extLst>
           </p:cNvPr>
@@ -10373,7 +10802,7 @@
           <p:nvPr>
             <p:extLst>
               <p:ext uri="{386F3935-93C4-4BCD-93E2-E3B085C9AB24}">
-                <p16:designElem xmlns:p16="http://schemas.microsoft.com/office/powerpoint/2015/main" xmlns="" val="1"/>
+                <p16:designElem xmlns:p16="http://schemas.microsoft.com/office/powerpoint/2015/main" val="1"/>
               </p:ext>
             </p:extLst>
           </p:nvPr>
@@ -10427,10 +10856,10 @@
           <p:cNvPr id="29" name="Rectangle 28">
             <a:extLst>
               <a:ext uri="{FF2B5EF4-FFF2-40B4-BE49-F238E27FC236}">
-                <a16:creationId xmlns:a16="http://schemas.microsoft.com/office/drawing/2014/main" xmlns="" id="{6166C6D1-23AC-49C4-BA07-238E4E9F8CEB}"/>
+                <a16:creationId xmlns:a16="http://schemas.microsoft.com/office/drawing/2014/main" id="{6166C6D1-23AC-49C4-BA07-238E4E9F8CEB}"/>
               </a:ext>
               <a:ext uri="{C183D7F6-B498-43B3-948B-1728B52AA6E4}">
-                <adec:decorative xmlns:adec="http://schemas.microsoft.com/office/drawing/2017/decorative" xmlns="" val="1"/>
+                <adec:decorative xmlns:adec="http://schemas.microsoft.com/office/drawing/2017/decorative" val="1"/>
               </a:ext>
             </a:extLst>
           </p:cNvPr>
@@ -10440,7 +10869,7 @@
           <p:nvPr>
             <p:extLst>
               <p:ext uri="{386F3935-93C4-4BCD-93E2-E3B085C9AB24}">
-                <p16:designElem xmlns:p16="http://schemas.microsoft.com/office/powerpoint/2015/main" xmlns="" val="1"/>
+                <p16:designElem xmlns:p16="http://schemas.microsoft.com/office/powerpoint/2015/main" val="1"/>
               </p:ext>
             </p:extLst>
           </p:nvPr>
@@ -10534,10 +10963,10 @@
           <p:cNvPr id="70" name="Rectangle 69">
             <a:extLst>
               <a:ext uri="{FF2B5EF4-FFF2-40B4-BE49-F238E27FC236}">
-                <a16:creationId xmlns:a16="http://schemas.microsoft.com/office/drawing/2014/main" xmlns="" id="{6166C6D1-23AC-49C4-BA07-238E4E9F8CEB}"/>
+                <a16:creationId xmlns:a16="http://schemas.microsoft.com/office/drawing/2014/main" id="{6166C6D1-23AC-49C4-BA07-238E4E9F8CEB}"/>
               </a:ext>
               <a:ext uri="{C183D7F6-B498-43B3-948B-1728B52AA6E4}">
-                <adec:decorative xmlns:adec="http://schemas.microsoft.com/office/drawing/2017/decorative" xmlns="" val="1"/>
+                <adec:decorative xmlns:adec="http://schemas.microsoft.com/office/drawing/2017/decorative" val="1"/>
               </a:ext>
             </a:extLst>
           </p:cNvPr>
@@ -10547,7 +10976,7 @@
           <p:nvPr>
             <p:extLst>
               <p:ext uri="{386F3935-93C4-4BCD-93E2-E3B085C9AB24}">
-                <p16:designElem xmlns:p16="http://schemas.microsoft.com/office/powerpoint/2015/main" xmlns="" val="1"/>
+                <p16:designElem xmlns:p16="http://schemas.microsoft.com/office/powerpoint/2015/main" val="1"/>
               </p:ext>
             </p:extLst>
           </p:nvPr>
@@ -10603,10 +11032,10 @@
           <p:cNvPr id="72" name="Rectangle 71">
             <a:extLst>
               <a:ext uri="{FF2B5EF4-FFF2-40B4-BE49-F238E27FC236}">
-                <a16:creationId xmlns:a16="http://schemas.microsoft.com/office/drawing/2014/main" xmlns="" id="{B775CD93-9DF2-48CB-9F57-1BCA9A46C7FA}"/>
+                <a16:creationId xmlns:a16="http://schemas.microsoft.com/office/drawing/2014/main" id="{B775CD93-9DF2-48CB-9F57-1BCA9A46C7FA}"/>
               </a:ext>
               <a:ext uri="{C183D7F6-B498-43B3-948B-1728B52AA6E4}">
-                <adec:decorative xmlns:adec="http://schemas.microsoft.com/office/drawing/2017/decorative" xmlns="" val="1"/>
+                <adec:decorative xmlns:adec="http://schemas.microsoft.com/office/drawing/2017/decorative" val="1"/>
               </a:ext>
             </a:extLst>
           </p:cNvPr>
@@ -10616,7 +11045,7 @@
           <p:nvPr>
             <p:extLst>
               <p:ext uri="{386F3935-93C4-4BCD-93E2-E3B085C9AB24}">
-                <p16:designElem xmlns:p16="http://schemas.microsoft.com/office/powerpoint/2015/main" xmlns="" val="1"/>
+                <p16:designElem xmlns:p16="http://schemas.microsoft.com/office/powerpoint/2015/main" val="1"/>
               </p:ext>
             </p:extLst>
           </p:nvPr>
@@ -10670,7 +11099,7 @@
           <p:cNvPr id="2" name="Title 1">
             <a:extLst>
               <a:ext uri="{FF2B5EF4-FFF2-40B4-BE49-F238E27FC236}">
-                <a16:creationId xmlns:a16="http://schemas.microsoft.com/office/drawing/2014/main" xmlns="" id="{054FCF51-033A-41FF-BA44-DB0076F25672}"/>
+                <a16:creationId xmlns:a16="http://schemas.microsoft.com/office/drawing/2014/main" id="{054FCF51-033A-41FF-BA44-DB0076F25672}"/>
               </a:ext>
             </a:extLst>
           </p:cNvPr>
@@ -10719,10 +11148,10 @@
           <p:cNvPr id="74" name="Rectangle 73">
             <a:extLst>
               <a:ext uri="{FF2B5EF4-FFF2-40B4-BE49-F238E27FC236}">
-                <a16:creationId xmlns:a16="http://schemas.microsoft.com/office/drawing/2014/main" xmlns="" id="{E186B68C-84BC-4A6E-99D1-EE87483C1349}"/>
+                <a16:creationId xmlns:a16="http://schemas.microsoft.com/office/drawing/2014/main" id="{E186B68C-84BC-4A6E-99D1-EE87483C1349}"/>
               </a:ext>
               <a:ext uri="{C183D7F6-B498-43B3-948B-1728B52AA6E4}">
-                <adec:decorative xmlns:adec="http://schemas.microsoft.com/office/drawing/2017/decorative" xmlns="" val="1"/>
+                <adec:decorative xmlns:adec="http://schemas.microsoft.com/office/drawing/2017/decorative" val="1"/>
               </a:ext>
             </a:extLst>
           </p:cNvPr>
@@ -10732,7 +11161,7 @@
           <p:nvPr>
             <p:extLst>
               <p:ext uri="{386F3935-93C4-4BCD-93E2-E3B085C9AB24}">
-                <p16:designElem xmlns:p16="http://schemas.microsoft.com/office/powerpoint/2015/main" xmlns="" val="1"/>
+                <p16:designElem xmlns:p16="http://schemas.microsoft.com/office/powerpoint/2015/main" val="1"/>
               </p:ext>
             </p:extLst>
           </p:nvPr>
@@ -10786,10 +11215,10 @@
           <p:cNvPr id="76" name="Rectangle 75">
             <a:extLst>
               <a:ext uri="{FF2B5EF4-FFF2-40B4-BE49-F238E27FC236}">
-                <a16:creationId xmlns:a16="http://schemas.microsoft.com/office/drawing/2014/main" xmlns="" id="{1C091803-41C2-48E0-9228-5148460C7479}"/>
+                <a16:creationId xmlns:a16="http://schemas.microsoft.com/office/drawing/2014/main" id="{1C091803-41C2-48E0-9228-5148460C7479}"/>
               </a:ext>
               <a:ext uri="{C183D7F6-B498-43B3-948B-1728B52AA6E4}">
-                <adec:decorative xmlns:adec="http://schemas.microsoft.com/office/drawing/2017/decorative" xmlns="" val="1"/>
+                <adec:decorative xmlns:adec="http://schemas.microsoft.com/office/drawing/2017/decorative" val="1"/>
               </a:ext>
             </a:extLst>
           </p:cNvPr>
@@ -10799,7 +11228,7 @@
           <p:nvPr>
             <p:extLst>
               <p:ext uri="{386F3935-93C4-4BCD-93E2-E3B085C9AB24}">
-                <p16:designElem xmlns:p16="http://schemas.microsoft.com/office/powerpoint/2015/main" xmlns="" val="1"/>
+                <p16:designElem xmlns:p16="http://schemas.microsoft.com/office/powerpoint/2015/main" val="1"/>
               </p:ext>
             </p:extLst>
           </p:nvPr>
@@ -10853,7 +11282,7 @@
           <p:cNvPr id="322" name="Content Placeholder 319">
             <a:extLst>
               <a:ext uri="{FF2B5EF4-FFF2-40B4-BE49-F238E27FC236}">
-                <a16:creationId xmlns:a16="http://schemas.microsoft.com/office/drawing/2014/main" xmlns="" id="{588CCA03-373B-41EC-91D4-24EEDE4C528C}"/>
+                <a16:creationId xmlns:a16="http://schemas.microsoft.com/office/drawing/2014/main" id="{588CCA03-373B-41EC-91D4-24EEDE4C528C}"/>
               </a:ext>
             </a:extLst>
           </p:cNvPr>
@@ -10922,10 +11351,10 @@
           <p:cNvPr id="8" name="Rectangle 7">
             <a:extLst>
               <a:ext uri="{FF2B5EF4-FFF2-40B4-BE49-F238E27FC236}">
-                <a16:creationId xmlns:a16="http://schemas.microsoft.com/office/drawing/2014/main" xmlns="" id="{B775CD93-9DF2-48CB-9F57-1BCA9A46C7FA}"/>
+                <a16:creationId xmlns:a16="http://schemas.microsoft.com/office/drawing/2014/main" id="{B775CD93-9DF2-48CB-9F57-1BCA9A46C7FA}"/>
               </a:ext>
               <a:ext uri="{C183D7F6-B498-43B3-948B-1728B52AA6E4}">
-                <adec:decorative xmlns:adec="http://schemas.microsoft.com/office/drawing/2017/decorative" xmlns="" val="1"/>
+                <adec:decorative xmlns:adec="http://schemas.microsoft.com/office/drawing/2017/decorative" val="1"/>
               </a:ext>
             </a:extLst>
           </p:cNvPr>
@@ -10935,7 +11364,7 @@
           <p:nvPr>
             <p:extLst>
               <p:ext uri="{386F3935-93C4-4BCD-93E2-E3B085C9AB24}">
-                <p16:designElem xmlns:p16="http://schemas.microsoft.com/office/powerpoint/2015/main" xmlns="" val="1"/>
+                <p16:designElem xmlns:p16="http://schemas.microsoft.com/office/powerpoint/2015/main" val="1"/>
               </p:ext>
             </p:extLst>
           </p:nvPr>
@@ -10989,7 +11418,7 @@
           <p:cNvPr id="2" name="Title 1">
             <a:extLst>
               <a:ext uri="{FF2B5EF4-FFF2-40B4-BE49-F238E27FC236}">
-                <a16:creationId xmlns:a16="http://schemas.microsoft.com/office/drawing/2014/main" xmlns="" id="{F270E9BB-EC38-4014-AE2E-16472D60171D}"/>
+                <a16:creationId xmlns:a16="http://schemas.microsoft.com/office/drawing/2014/main" id="{F270E9BB-EC38-4014-AE2E-16472D60171D}"/>
               </a:ext>
             </a:extLst>
           </p:cNvPr>
@@ -11047,10 +11476,10 @@
           <p:cNvPr id="10" name="Rectangle 9">
             <a:extLst>
               <a:ext uri="{FF2B5EF4-FFF2-40B4-BE49-F238E27FC236}">
-                <a16:creationId xmlns:a16="http://schemas.microsoft.com/office/drawing/2014/main" xmlns="" id="{1C091803-41C2-48E0-9228-5148460C7479}"/>
+                <a16:creationId xmlns:a16="http://schemas.microsoft.com/office/drawing/2014/main" id="{1C091803-41C2-48E0-9228-5148460C7479}"/>
               </a:ext>
               <a:ext uri="{C183D7F6-B498-43B3-948B-1728B52AA6E4}">
-                <adec:decorative xmlns:adec="http://schemas.microsoft.com/office/drawing/2017/decorative" xmlns="" val="1"/>
+                <adec:decorative xmlns:adec="http://schemas.microsoft.com/office/drawing/2017/decorative" val="1"/>
               </a:ext>
             </a:extLst>
           </p:cNvPr>
@@ -11060,7 +11489,7 @@
           <p:nvPr>
             <p:extLst>
               <p:ext uri="{386F3935-93C4-4BCD-93E2-E3B085C9AB24}">
-                <p16:designElem xmlns:p16="http://schemas.microsoft.com/office/powerpoint/2015/main" xmlns="" val="1"/>
+                <p16:designElem xmlns:p16="http://schemas.microsoft.com/office/powerpoint/2015/main" val="1"/>
               </p:ext>
             </p:extLst>
           </p:nvPr>
@@ -11114,7 +11543,7 @@
           <p:cNvPr id="3" name="Content Placeholder 2">
             <a:extLst>
               <a:ext uri="{FF2B5EF4-FFF2-40B4-BE49-F238E27FC236}">
-                <a16:creationId xmlns:a16="http://schemas.microsoft.com/office/drawing/2014/main" xmlns="" id="{24FD113B-1360-4CA1-A730-3966732CB70B}"/>
+                <a16:creationId xmlns:a16="http://schemas.microsoft.com/office/drawing/2014/main" id="{24FD113B-1360-4CA1-A730-3966732CB70B}"/>
               </a:ext>
             </a:extLst>
           </p:cNvPr>
@@ -11170,10 +11599,10 @@
           <p:cNvPr id="12" name="Rectangle 11">
             <a:extLst>
               <a:ext uri="{FF2B5EF4-FFF2-40B4-BE49-F238E27FC236}">
-                <a16:creationId xmlns:a16="http://schemas.microsoft.com/office/drawing/2014/main" xmlns="" id="{E186B68C-84BC-4A6E-99D1-EE87483C1349}"/>
+                <a16:creationId xmlns:a16="http://schemas.microsoft.com/office/drawing/2014/main" id="{E186B68C-84BC-4A6E-99D1-EE87483C1349}"/>
               </a:ext>
               <a:ext uri="{C183D7F6-B498-43B3-948B-1728B52AA6E4}">
-                <adec:decorative xmlns:adec="http://schemas.microsoft.com/office/drawing/2017/decorative" xmlns="" val="1"/>
+                <adec:decorative xmlns:adec="http://schemas.microsoft.com/office/drawing/2017/decorative" val="1"/>
               </a:ext>
             </a:extLst>
           </p:cNvPr>
@@ -11183,7 +11612,7 @@
           <p:nvPr>
             <p:extLst>
               <p:ext uri="{386F3935-93C4-4BCD-93E2-E3B085C9AB24}">
-                <p16:designElem xmlns:p16="http://schemas.microsoft.com/office/powerpoint/2015/main" xmlns="" val="1"/>
+                <p16:designElem xmlns:p16="http://schemas.microsoft.com/office/powerpoint/2015/main" val="1"/>
               </p:ext>
             </p:extLst>
           </p:nvPr>
@@ -11237,10 +11666,10 @@
           <p:cNvPr id="14" name="Rectangle 13">
             <a:extLst>
               <a:ext uri="{FF2B5EF4-FFF2-40B4-BE49-F238E27FC236}">
-                <a16:creationId xmlns:a16="http://schemas.microsoft.com/office/drawing/2014/main" xmlns="" id="{6166C6D1-23AC-49C4-BA07-238E4E9F8CEB}"/>
+                <a16:creationId xmlns:a16="http://schemas.microsoft.com/office/drawing/2014/main" id="{6166C6D1-23AC-49C4-BA07-238E4E9F8CEB}"/>
               </a:ext>
               <a:ext uri="{C183D7F6-B498-43B3-948B-1728B52AA6E4}">
-                <adec:decorative xmlns:adec="http://schemas.microsoft.com/office/drawing/2017/decorative" xmlns="" val="1"/>
+                <adec:decorative xmlns:adec="http://schemas.microsoft.com/office/drawing/2017/decorative" val="1"/>
               </a:ext>
             </a:extLst>
           </p:cNvPr>
@@ -11250,7 +11679,7 @@
           <p:nvPr>
             <p:extLst>
               <p:ext uri="{386F3935-93C4-4BCD-93E2-E3B085C9AB24}">
-                <p16:designElem xmlns:p16="http://schemas.microsoft.com/office/powerpoint/2015/main" xmlns="" val="1"/>
+                <p16:designElem xmlns:p16="http://schemas.microsoft.com/office/powerpoint/2015/main" val="1"/>
               </p:ext>
             </p:extLst>
           </p:nvPr>
@@ -11344,10 +11773,10 @@
           <p:cNvPr id="7" name="Rectangle 6">
             <a:extLst>
               <a:ext uri="{FF2B5EF4-FFF2-40B4-BE49-F238E27FC236}">
-                <a16:creationId xmlns:a16="http://schemas.microsoft.com/office/drawing/2014/main" xmlns="" id="{CDA1A2E9-63FE-408D-A803-8E306ECAB4B3}"/>
+                <a16:creationId xmlns:a16="http://schemas.microsoft.com/office/drawing/2014/main" id="{CDA1A2E9-63FE-408D-A803-8E306ECAB4B3}"/>
               </a:ext>
               <a:ext uri="{C183D7F6-B498-43B3-948B-1728B52AA6E4}">
-                <adec:decorative xmlns:adec="http://schemas.microsoft.com/office/drawing/2017/decorative" xmlns="" val="1"/>
+                <adec:decorative xmlns:adec="http://schemas.microsoft.com/office/drawing/2017/decorative" val="1"/>
               </a:ext>
             </a:extLst>
           </p:cNvPr>
@@ -11357,7 +11786,7 @@
           <p:nvPr>
             <p:extLst>
               <p:ext uri="{386F3935-93C4-4BCD-93E2-E3B085C9AB24}">
-                <p16:designElem xmlns:p16="http://schemas.microsoft.com/office/powerpoint/2015/main" xmlns="" val="1"/>
+                <p16:designElem xmlns:p16="http://schemas.microsoft.com/office/powerpoint/2015/main" val="1"/>
               </p:ext>
             </p:extLst>
           </p:nvPr>
@@ -11411,7 +11840,7 @@
           <p:cNvPr id="2" name="TextBox 1">
             <a:extLst>
               <a:ext uri="{FF2B5EF4-FFF2-40B4-BE49-F238E27FC236}">
-                <a16:creationId xmlns:a16="http://schemas.microsoft.com/office/drawing/2014/main" xmlns="" id="{CA3BB265-EFC1-49CE-B97D-F726BFFAA15A}"/>
+                <a16:creationId xmlns:a16="http://schemas.microsoft.com/office/drawing/2014/main" id="{CA3BB265-EFC1-49CE-B97D-F726BFFAA15A}"/>
               </a:ext>
             </a:extLst>
           </p:cNvPr>
@@ -11470,10 +11899,10 @@
           <p:cNvPr id="9" name="Rectangle 8">
             <a:extLst>
               <a:ext uri="{FF2B5EF4-FFF2-40B4-BE49-F238E27FC236}">
-                <a16:creationId xmlns:a16="http://schemas.microsoft.com/office/drawing/2014/main" xmlns="" id="{FBE9F90C-C163-435B-9A68-D15C92D1CF2B}"/>
+                <a16:creationId xmlns:a16="http://schemas.microsoft.com/office/drawing/2014/main" id="{FBE9F90C-C163-435B-9A68-D15C92D1CF2B}"/>
               </a:ext>
               <a:ext uri="{C183D7F6-B498-43B3-948B-1728B52AA6E4}">
-                <adec:decorative xmlns:adec="http://schemas.microsoft.com/office/drawing/2017/decorative" xmlns="" val="1"/>
+                <adec:decorative xmlns:adec="http://schemas.microsoft.com/office/drawing/2017/decorative" val="1"/>
               </a:ext>
             </a:extLst>
           </p:cNvPr>
@@ -11483,7 +11912,7 @@
           <p:nvPr>
             <p:extLst>
               <p:ext uri="{386F3935-93C4-4BCD-93E2-E3B085C9AB24}">
-                <p16:designElem xmlns:p16="http://schemas.microsoft.com/office/powerpoint/2015/main" xmlns="" val="1"/>
+                <p16:designElem xmlns:p16="http://schemas.microsoft.com/office/powerpoint/2015/main" val="1"/>
               </p:ext>
             </p:extLst>
           </p:nvPr>
@@ -11539,10 +11968,10 @@
           <p:cNvPr id="11" name="Rectangle 10">
             <a:extLst>
               <a:ext uri="{FF2B5EF4-FFF2-40B4-BE49-F238E27FC236}">
-                <a16:creationId xmlns:a16="http://schemas.microsoft.com/office/drawing/2014/main" xmlns="" id="{DAE8F46F-D590-45CD-AF41-A04DC11D1BB4}"/>
+                <a16:creationId xmlns:a16="http://schemas.microsoft.com/office/drawing/2014/main" id="{DAE8F46F-D590-45CD-AF41-A04DC11D1BB4}"/>
               </a:ext>
               <a:ext uri="{C183D7F6-B498-43B3-948B-1728B52AA6E4}">
-                <adec:decorative xmlns:adec="http://schemas.microsoft.com/office/drawing/2017/decorative" xmlns="" val="1"/>
+                <adec:decorative xmlns:adec="http://schemas.microsoft.com/office/drawing/2017/decorative" val="1"/>
               </a:ext>
             </a:extLst>
           </p:cNvPr>
@@ -11552,7 +11981,7 @@
           <p:nvPr>
             <p:extLst>
               <p:ext uri="{386F3935-93C4-4BCD-93E2-E3B085C9AB24}">
-                <p16:designElem xmlns:p16="http://schemas.microsoft.com/office/powerpoint/2015/main" xmlns="" val="1"/>
+                <p16:designElem xmlns:p16="http://schemas.microsoft.com/office/powerpoint/2015/main" val="1"/>
               </p:ext>
             </p:extLst>
           </p:nvPr>
@@ -11608,10 +12037,10 @@
           <p:cNvPr id="13" name="Rectangle 12">
             <a:extLst>
               <a:ext uri="{FF2B5EF4-FFF2-40B4-BE49-F238E27FC236}">
-                <a16:creationId xmlns:a16="http://schemas.microsoft.com/office/drawing/2014/main" xmlns="" id="{1A882A9F-F4E9-4E23-8F0B-20B5DF42EAA9}"/>
+                <a16:creationId xmlns:a16="http://schemas.microsoft.com/office/drawing/2014/main" id="{1A882A9F-F4E9-4E23-8F0B-20B5DF42EAA9}"/>
               </a:ext>
               <a:ext uri="{C183D7F6-B498-43B3-948B-1728B52AA6E4}">
-                <adec:decorative xmlns:adec="http://schemas.microsoft.com/office/drawing/2017/decorative" xmlns="" val="1"/>
+                <adec:decorative xmlns:adec="http://schemas.microsoft.com/office/drawing/2017/decorative" val="1"/>
               </a:ext>
             </a:extLst>
           </p:cNvPr>
@@ -11621,7 +12050,7 @@
           <p:nvPr>
             <p:extLst>
               <p:ext uri="{386F3935-93C4-4BCD-93E2-E3B085C9AB24}">
-                <p16:designElem xmlns:p16="http://schemas.microsoft.com/office/powerpoint/2015/main" xmlns="" val="1"/>
+                <p16:designElem xmlns:p16="http://schemas.microsoft.com/office/powerpoint/2015/main" val="1"/>
               </p:ext>
             </p:extLst>
           </p:nvPr>
@@ -11713,10 +12142,10 @@
           <p:cNvPr id="12" name="Rectangle 8">
             <a:extLst>
               <a:ext uri="{FF2B5EF4-FFF2-40B4-BE49-F238E27FC236}">
-                <a16:creationId xmlns:a16="http://schemas.microsoft.com/office/drawing/2014/main" xmlns="" id="{4038CB10-1F5C-4D54-9DF7-12586DE5B007}"/>
+                <a16:creationId xmlns:a16="http://schemas.microsoft.com/office/drawing/2014/main" id="{4038CB10-1F5C-4D54-9DF7-12586DE5B007}"/>
               </a:ext>
               <a:ext uri="{C183D7F6-B498-43B3-948B-1728B52AA6E4}">
-                <adec:decorative xmlns:adec="http://schemas.microsoft.com/office/drawing/2017/decorative" xmlns="" val="1"/>
+                <adec:decorative xmlns:adec="http://schemas.microsoft.com/office/drawing/2017/decorative" val="1"/>
               </a:ext>
             </a:extLst>
           </p:cNvPr>
@@ -11726,7 +12155,7 @@
           <p:nvPr>
             <p:extLst>
               <p:ext uri="{386F3935-93C4-4BCD-93E2-E3B085C9AB24}">
-                <p16:designElem xmlns:p16="http://schemas.microsoft.com/office/powerpoint/2015/main" xmlns="" val="1"/>
+                <p16:designElem xmlns:p16="http://schemas.microsoft.com/office/powerpoint/2015/main" val="1"/>
               </p:ext>
             </p:extLst>
           </p:nvPr>
@@ -11807,7 +12236,7 @@
           <p:cNvPr id="2" name="Title 1">
             <a:extLst>
               <a:ext uri="{FF2B5EF4-FFF2-40B4-BE49-F238E27FC236}">
-                <a16:creationId xmlns:a16="http://schemas.microsoft.com/office/drawing/2014/main" xmlns="" id="{9FD6AC3C-5DB4-412A-B6AE-A69E8547AF90}"/>
+                <a16:creationId xmlns:a16="http://schemas.microsoft.com/office/drawing/2014/main" id="{9FD6AC3C-5DB4-412A-B6AE-A69E8547AF90}"/>
               </a:ext>
             </a:extLst>
           </p:cNvPr>
@@ -11831,12 +12260,6 @@
           <a:lstStyle/>
           <a:p>
             <a:pPr algn="ctr"/>
-            <a:r>
-              <a:rPr lang="en-US" sz="2800" dirty="0">
-                <a:cs typeface="Calibri Light" panose="020F0302020204030204"/>
-              </a:rPr>
-              <a:t/>
-            </a:r>
             <a:br>
               <a:rPr lang="en-US" sz="2800" dirty="0">
                 <a:cs typeface="Calibri Light" panose="020F0302020204030204"/>
@@ -11856,10 +12279,10 @@
           <p:cNvPr id="14" name="Rectangle 10">
             <a:extLst>
               <a:ext uri="{FF2B5EF4-FFF2-40B4-BE49-F238E27FC236}">
-                <a16:creationId xmlns:a16="http://schemas.microsoft.com/office/drawing/2014/main" xmlns="" id="{73ED6512-6858-4552-B699-9A97FE9A4EA2}"/>
+                <a16:creationId xmlns:a16="http://schemas.microsoft.com/office/drawing/2014/main" id="{73ED6512-6858-4552-B699-9A97FE9A4EA2}"/>
               </a:ext>
               <a:ext uri="{C183D7F6-B498-43B3-948B-1728B52AA6E4}">
-                <adec:decorative xmlns:adec="http://schemas.microsoft.com/office/drawing/2017/decorative" xmlns="" val="1"/>
+                <adec:decorative xmlns:adec="http://schemas.microsoft.com/office/drawing/2017/decorative" val="1"/>
               </a:ext>
             </a:extLst>
           </p:cNvPr>
@@ -11869,7 +12292,297 @@
           <p:nvPr>
             <p:extLst>
               <p:ext uri="{386F3935-93C4-4BCD-93E2-E3B085C9AB24}">
-                <p16:designElem xmlns:p16="http://schemas.microsoft.com/office/powerpoint/2015/main" xmlns="" val="1"/>
+                <p16:designElem xmlns:p16="http://schemas.microsoft.com/office/powerpoint/2015/main" val="1"/>
+              </p:ext>
+            </p:extLst>
+          </p:nvPr>
+        </p:nvSpPr>
+        <p:spPr>
+          <a:xfrm>
+            <a:off x="4629503" y="321732"/>
+            <a:ext cx="7240765" cy="6214534"/>
+          </a:xfrm>
+          <a:prstGeom prst="rect">
+            <a:avLst/>
+          </a:prstGeom>
+          <a:solidFill>
+            <a:srgbClr val="595959"/>
+          </a:solidFill>
+          <a:ln>
+            <a:noFill/>
+          </a:ln>
+        </p:spPr>
+        <p:style>
+          <a:lnRef idx="2">
+            <a:schemeClr val="accent1">
+              <a:shade val="50000"/>
+            </a:schemeClr>
+          </a:lnRef>
+          <a:fillRef idx="1">
+            <a:schemeClr val="accent1"/>
+          </a:fillRef>
+          <a:effectRef idx="0">
+            <a:schemeClr val="accent1"/>
+          </a:effectRef>
+          <a:fontRef idx="minor">
+            <a:schemeClr val="lt1"/>
+          </a:fontRef>
+        </p:style>
+        <p:txBody>
+          <a:bodyPr rtlCol="0" anchor="ctr"/>
+          <a:lstStyle/>
+          <a:p>
+            <a:pPr marL="0" marR="0" lvl="0" indent="0" algn="ctr" defTabSz="914400" rtl="0" eaLnBrk="1" fontAlgn="auto" latinLnBrk="0" hangingPunct="1">
+              <a:lnSpc>
+                <a:spcPct val="100000"/>
+              </a:lnSpc>
+              <a:spcBef>
+                <a:spcPts val="0"/>
+              </a:spcBef>
+              <a:spcAft>
+                <a:spcPts val="0"/>
+              </a:spcAft>
+              <a:buClrTx/>
+              <a:buSzTx/>
+              <a:buFontTx/>
+              <a:buNone/>
+              <a:tabLst/>
+              <a:defRPr/>
+            </a:pPr>
+            <a:endParaRPr kumimoji="0" lang="en-US" sz="1800" b="0" i="0" u="none" strike="noStrike" kern="1200" cap="none" spc="0" normalizeH="0" baseline="0" noProof="0">
+              <a:ln>
+                <a:noFill/>
+              </a:ln>
+              <a:solidFill>
+                <a:prstClr val="white"/>
+              </a:solidFill>
+              <a:effectLst/>
+              <a:uLnTx/>
+              <a:uFillTx/>
+              <a:latin typeface="Calibri" panose="020F0502020204030204"/>
+              <a:ea typeface="+mn-ea"/>
+              <a:cs typeface="+mn-cs"/>
+            </a:endParaRPr>
+          </a:p>
+        </p:txBody>
+      </p:sp>
+      <p:pic>
+        <p:nvPicPr>
+          <p:cNvPr id="3" name="Image 2"/>
+          <p:cNvPicPr>
+            <a:picLocks noChangeAspect="1"/>
+          </p:cNvPicPr>
+          <p:nvPr/>
+        </p:nvPicPr>
+        <p:blipFill>
+          <a:blip r:embed="rId3"/>
+          <a:srcRect/>
+          <a:stretch/>
+        </p:blipFill>
+        <p:spPr>
+          <a:xfrm>
+            <a:off x="321732" y="182052"/>
+            <a:ext cx="11542721" cy="6492781"/>
+          </a:xfrm>
+          <a:prstGeom prst="rect">
+            <a:avLst/>
+          </a:prstGeom>
+        </p:spPr>
+      </p:pic>
+    </p:spTree>
+    <p:extLst>
+      <p:ext uri="{BB962C8B-B14F-4D97-AF65-F5344CB8AC3E}">
+        <p14:creationId xmlns:p14="http://schemas.microsoft.com/office/powerpoint/2010/main" val="79765342"/>
+      </p:ext>
+    </p:extLst>
+  </p:cSld>
+  <p:clrMapOvr>
+    <a:masterClrMapping/>
+  </p:clrMapOvr>
+</p:sld>
+</file>
+
+<file path=ppt/slides/slide7.xml><?xml version="1.0" encoding="utf-8"?>
+<p:sld xmlns:a="http://schemas.openxmlformats.org/drawingml/2006/main" xmlns:r="http://schemas.openxmlformats.org/officeDocument/2006/relationships" xmlns:p="http://schemas.openxmlformats.org/presentationml/2006/main">
+  <p:cSld>
+    <p:bg>
+      <p:bgPr>
+        <a:solidFill>
+          <a:schemeClr val="bg1"/>
+        </a:solidFill>
+        <a:effectLst/>
+      </p:bgPr>
+    </p:bg>
+    <p:spTree>
+      <p:nvGrpSpPr>
+        <p:cNvPr id="1" name=""/>
+        <p:cNvGrpSpPr/>
+        <p:nvPr/>
+      </p:nvGrpSpPr>
+      <p:grpSpPr>
+        <a:xfrm>
+          <a:off x="0" y="0"/>
+          <a:ext cx="0" cy="0"/>
+          <a:chOff x="0" y="0"/>
+          <a:chExt cx="0" cy="0"/>
+        </a:xfrm>
+      </p:grpSpPr>
+      <p:sp>
+        <p:nvSpPr>
+          <p:cNvPr id="12" name="Rectangle 8">
+            <a:extLst>
+              <a:ext uri="{FF2B5EF4-FFF2-40B4-BE49-F238E27FC236}">
+                <a16:creationId xmlns:a16="http://schemas.microsoft.com/office/drawing/2014/main" id="{4038CB10-1F5C-4D54-9DF7-12586DE5B007}"/>
+              </a:ext>
+              <a:ext uri="{C183D7F6-B498-43B3-948B-1728B52AA6E4}">
+                <adec:decorative xmlns:adec="http://schemas.microsoft.com/office/drawing/2017/decorative" val="1"/>
+              </a:ext>
+            </a:extLst>
+          </p:cNvPr>
+          <p:cNvSpPr>
+            <a:spLocks noGrp="1" noRot="1" noChangeAspect="1" noMove="1" noResize="1" noEditPoints="1" noAdjustHandles="1" noChangeArrowheads="1" noChangeShapeType="1" noTextEdit="1"/>
+          </p:cNvSpPr>
+          <p:nvPr>
+            <p:extLst>
+              <p:ext uri="{386F3935-93C4-4BCD-93E2-E3B085C9AB24}">
+                <p16:designElem xmlns:p16="http://schemas.microsoft.com/office/powerpoint/2015/main" val="1"/>
+              </p:ext>
+            </p:extLst>
+          </p:nvPr>
+        </p:nvSpPr>
+        <p:spPr>
+          <a:xfrm>
+            <a:off x="327547" y="321731"/>
+            <a:ext cx="4142096" cy="6213425"/>
+          </a:xfrm>
+          <a:prstGeom prst="rect">
+            <a:avLst/>
+          </a:prstGeom>
+          <a:solidFill>
+            <a:schemeClr val="accent1">
+              <a:alpha val="95000"/>
+            </a:schemeClr>
+          </a:solidFill>
+          <a:ln>
+            <a:noFill/>
+          </a:ln>
+        </p:spPr>
+        <p:style>
+          <a:lnRef idx="2">
+            <a:schemeClr val="accent1">
+              <a:shade val="50000"/>
+            </a:schemeClr>
+          </a:lnRef>
+          <a:fillRef idx="1">
+            <a:schemeClr val="accent1"/>
+          </a:fillRef>
+          <a:effectRef idx="0">
+            <a:schemeClr val="accent1"/>
+          </a:effectRef>
+          <a:fontRef idx="minor">
+            <a:schemeClr val="lt1"/>
+          </a:fontRef>
+        </p:style>
+        <p:txBody>
+          <a:bodyPr rtlCol="0" anchor="ctr"/>
+          <a:lstStyle/>
+          <a:p>
+            <a:pPr marL="0" marR="0" lvl="0" indent="0" algn="ctr" defTabSz="914400" rtl="0" eaLnBrk="1" fontAlgn="auto" latinLnBrk="0" hangingPunct="1">
+              <a:lnSpc>
+                <a:spcPct val="100000"/>
+              </a:lnSpc>
+              <a:spcBef>
+                <a:spcPts val="0"/>
+              </a:spcBef>
+              <a:spcAft>
+                <a:spcPts val="0"/>
+              </a:spcAft>
+              <a:buClrTx/>
+              <a:buSzTx/>
+              <a:buFontTx/>
+              <a:buNone/>
+              <a:tabLst/>
+              <a:defRPr/>
+            </a:pPr>
+            <a:endParaRPr kumimoji="0" lang="en-US" sz="1800" b="0" i="0" u="none" strike="noStrike" kern="1200" cap="none" spc="0" normalizeH="0" baseline="0" noProof="0">
+              <a:ln>
+                <a:noFill/>
+              </a:ln>
+              <a:solidFill>
+                <a:prstClr val="white"/>
+              </a:solidFill>
+              <a:effectLst/>
+              <a:uLnTx/>
+              <a:uFillTx/>
+              <a:latin typeface="Calibri" panose="020F0502020204030204"/>
+              <a:ea typeface="+mn-ea"/>
+              <a:cs typeface="+mn-cs"/>
+            </a:endParaRPr>
+          </a:p>
+        </p:txBody>
+      </p:sp>
+      <p:sp>
+        <p:nvSpPr>
+          <p:cNvPr id="2" name="Title 1">
+            <a:extLst>
+              <a:ext uri="{FF2B5EF4-FFF2-40B4-BE49-F238E27FC236}">
+                <a16:creationId xmlns:a16="http://schemas.microsoft.com/office/drawing/2014/main" id="{9FD6AC3C-5DB4-412A-B6AE-A69E8547AF90}"/>
+              </a:ext>
+            </a:extLst>
+          </p:cNvPr>
+          <p:cNvSpPr>
+            <a:spLocks noGrp="1"/>
+          </p:cNvSpPr>
+          <p:nvPr>
+            <p:ph type="title"/>
+          </p:nvPr>
+        </p:nvSpPr>
+        <p:spPr>
+          <a:xfrm>
+            <a:off x="524256" y="583616"/>
+            <a:ext cx="3722141" cy="5520579"/>
+          </a:xfrm>
+        </p:spPr>
+        <p:txBody>
+          <a:bodyPr vert="horz" lIns="91440" tIns="45720" rIns="91440" bIns="45720" rtlCol="0" anchor="ctr" anchorCtr="0">
+            <a:normAutofit/>
+          </a:bodyPr>
+          <a:lstStyle/>
+          <a:p>
+            <a:pPr algn="ctr"/>
+            <a:br>
+              <a:rPr lang="en-US" sz="2800" dirty="0">
+                <a:cs typeface="Calibri Light" panose="020F0302020204030204"/>
+              </a:rPr>
+            </a:br>
+            <a:endParaRPr lang="en-US" sz="2800" kern="1200" dirty="0">
+              <a:solidFill>
+                <a:srgbClr val="FFFFFF"/>
+              </a:solidFill>
+              <a:cs typeface="Calibri Light" panose="020F0302020204030204"/>
+            </a:endParaRPr>
+          </a:p>
+        </p:txBody>
+      </p:sp>
+      <p:sp>
+        <p:nvSpPr>
+          <p:cNvPr id="14" name="Rectangle 10">
+            <a:extLst>
+              <a:ext uri="{FF2B5EF4-FFF2-40B4-BE49-F238E27FC236}">
+                <a16:creationId xmlns:a16="http://schemas.microsoft.com/office/drawing/2014/main" id="{73ED6512-6858-4552-B699-9A97FE9A4EA2}"/>
+              </a:ext>
+              <a:ext uri="{C183D7F6-B498-43B3-948B-1728B52AA6E4}">
+                <adec:decorative xmlns:adec="http://schemas.microsoft.com/office/drawing/2017/decorative" val="1"/>
+              </a:ext>
+            </a:extLst>
+          </p:cNvPr>
+          <p:cNvSpPr>
+            <a:spLocks noGrp="1" noRot="1" noChangeAspect="1" noMove="1" noResize="1" noEditPoints="1" noAdjustHandles="1" noChangeArrowheads="1" noChangeShapeType="1" noTextEdit="1"/>
+          </p:cNvSpPr>
+          <p:nvPr>
+            <p:extLst>
+              <p:ext uri="{386F3935-93C4-4BCD-93E2-E3B085C9AB24}">
+                <p16:designElem xmlns:p16="http://schemas.microsoft.com/office/powerpoint/2015/main" val="1"/>
               </p:ext>
             </p:extLst>
           </p:nvPr>
@@ -11986,7 +12699,7 @@
 </p:sld>
 </file>
 
-<file path=ppt/slides/slide7.xml><?xml version="1.0" encoding="utf-8"?>
+<file path=ppt/slides/slide8.xml><?xml version="1.0" encoding="utf-8"?>
 <p:sld xmlns:a="http://schemas.openxmlformats.org/drawingml/2006/main" xmlns:r="http://schemas.openxmlformats.org/officeDocument/2006/relationships" xmlns:p="http://schemas.openxmlformats.org/presentationml/2006/main">
   <p:cSld>
     <p:bg>
@@ -12016,10 +12729,10 @@
           <p:cNvPr id="12" name="Rectangle 8">
             <a:extLst>
               <a:ext uri="{FF2B5EF4-FFF2-40B4-BE49-F238E27FC236}">
-                <a16:creationId xmlns:a16="http://schemas.microsoft.com/office/drawing/2014/main" xmlns="" id="{4038CB10-1F5C-4D54-9DF7-12586DE5B007}"/>
+                <a16:creationId xmlns:a16="http://schemas.microsoft.com/office/drawing/2014/main" id="{4038CB10-1F5C-4D54-9DF7-12586DE5B007}"/>
               </a:ext>
               <a:ext uri="{C183D7F6-B498-43B3-948B-1728B52AA6E4}">
-                <adec:decorative xmlns:adec="http://schemas.microsoft.com/office/drawing/2017/decorative" xmlns="" val="1"/>
+                <adec:decorative xmlns:adec="http://schemas.microsoft.com/office/drawing/2017/decorative" val="1"/>
               </a:ext>
             </a:extLst>
           </p:cNvPr>
@@ -12029,7 +12742,7 @@
           <p:nvPr>
             <p:extLst>
               <p:ext uri="{386F3935-93C4-4BCD-93E2-E3B085C9AB24}">
-                <p16:designElem xmlns:p16="http://schemas.microsoft.com/office/powerpoint/2015/main" xmlns="" val="1"/>
+                <p16:designElem xmlns:p16="http://schemas.microsoft.com/office/powerpoint/2015/main" val="1"/>
               </p:ext>
             </p:extLst>
           </p:nvPr>
@@ -12110,7 +12823,7 @@
           <p:cNvPr id="2" name="Title 1">
             <a:extLst>
               <a:ext uri="{FF2B5EF4-FFF2-40B4-BE49-F238E27FC236}">
-                <a16:creationId xmlns:a16="http://schemas.microsoft.com/office/drawing/2014/main" xmlns="" id="{9FD6AC3C-5DB4-412A-B6AE-A69E8547AF90}"/>
+                <a16:creationId xmlns:a16="http://schemas.microsoft.com/office/drawing/2014/main" id="{9FD6AC3C-5DB4-412A-B6AE-A69E8547AF90}"/>
               </a:ext>
             </a:extLst>
           </p:cNvPr>
@@ -12145,14 +12858,6 @@
               </a:rPr>
               <a:t>Références</a:t>
             </a:r>
-            <a:r>
-              <a:rPr lang="en-US" sz="4400" dirty="0">
-                <a:solidFill>
-                  <a:srgbClr val="FFFFFF"/>
-                </a:solidFill>
-              </a:rPr>
-              <a:t/>
-            </a:r>
             <a:br>
               <a:rPr lang="en-US" sz="4400" dirty="0">
                 <a:solidFill>
@@ -12160,10 +12865,6 @@
                 </a:solidFill>
               </a:rPr>
             </a:br>
-            <a:r>
-              <a:rPr lang="en-US" sz="4400" dirty="0"/>
-              <a:t/>
-            </a:r>
             <a:br>
               <a:rPr lang="en-US" sz="4400" dirty="0"/>
             </a:br>
@@ -12193,12 +12894,6 @@
               </a:rPr>
               <a:t>Futura Tech</a:t>
             </a:r>
-            <a:r>
-              <a:rPr lang="en-US" sz="2800" dirty="0">
-                <a:cs typeface="Calibri Light" panose="020F0302020204030204"/>
-              </a:rPr>
-              <a:t/>
-            </a:r>
             <a:br>
               <a:rPr lang="en-US" sz="2800" dirty="0">
                 <a:cs typeface="Calibri Light" panose="020F0302020204030204"/>
@@ -12218,10 +12913,10 @@
           <p:cNvPr id="14" name="Rectangle 10">
             <a:extLst>
               <a:ext uri="{FF2B5EF4-FFF2-40B4-BE49-F238E27FC236}">
-                <a16:creationId xmlns:a16="http://schemas.microsoft.com/office/drawing/2014/main" xmlns="" id="{73ED6512-6858-4552-B699-9A97FE9A4EA2}"/>
+                <a16:creationId xmlns:a16="http://schemas.microsoft.com/office/drawing/2014/main" id="{73ED6512-6858-4552-B699-9A97FE9A4EA2}"/>
               </a:ext>
               <a:ext uri="{C183D7F6-B498-43B3-948B-1728B52AA6E4}">
-                <adec:decorative xmlns:adec="http://schemas.microsoft.com/office/drawing/2017/decorative" xmlns="" val="1"/>
+                <adec:decorative xmlns:adec="http://schemas.microsoft.com/office/drawing/2017/decorative" val="1"/>
               </a:ext>
             </a:extLst>
           </p:cNvPr>
@@ -12231,7 +12926,7 @@
           <p:nvPr>
             <p:extLst>
               <p:ext uri="{386F3935-93C4-4BCD-93E2-E3B085C9AB24}">
-                <p16:designElem xmlns:p16="http://schemas.microsoft.com/office/powerpoint/2015/main" xmlns="" val="1"/>
+                <p16:designElem xmlns:p16="http://schemas.microsoft.com/office/powerpoint/2015/main" val="1"/>
               </p:ext>
             </p:extLst>
           </p:nvPr>
@@ -12310,7 +13005,7 @@
           <p:cNvPr id="4" name="Text Placeholder 3">
             <a:extLst>
               <a:ext uri="{FF2B5EF4-FFF2-40B4-BE49-F238E27FC236}">
-                <a16:creationId xmlns:a16="http://schemas.microsoft.com/office/drawing/2014/main" xmlns="" id="{1022E0F1-708C-464C-855B-5DFE78AF50CC}"/>
+                <a16:creationId xmlns:a16="http://schemas.microsoft.com/office/drawing/2014/main" id="{1022E0F1-708C-464C-855B-5DFE78AF50CC}"/>
               </a:ext>
             </a:extLst>
           </p:cNvPr>
@@ -12443,7 +13138,7 @@
 </p:sld>
 </file>
 
-<file path=ppt/slides/slide8.xml><?xml version="1.0" encoding="utf-8"?>
+<file path=ppt/slides/slide9.xml><?xml version="1.0" encoding="utf-8"?>
 <p:sld xmlns:a="http://schemas.openxmlformats.org/drawingml/2006/main" xmlns:r="http://schemas.openxmlformats.org/officeDocument/2006/relationships" xmlns:p="http://schemas.openxmlformats.org/presentationml/2006/main" show="0">
   <p:cSld>
     <p:bg>
@@ -12473,7 +13168,7 @@
           <p:cNvPr id="2" name="Titre 1">
             <a:extLst>
               <a:ext uri="{FF2B5EF4-FFF2-40B4-BE49-F238E27FC236}">
-                <a16:creationId xmlns:a16="http://schemas.microsoft.com/office/drawing/2014/main" xmlns="" id="{D9EA1708-F210-4403-B7B9-0C474775FE54}"/>
+                <a16:creationId xmlns:a16="http://schemas.microsoft.com/office/drawing/2014/main" id="{D9EA1708-F210-4403-B7B9-0C474775FE54}"/>
               </a:ext>
             </a:extLst>
           </p:cNvPr>
@@ -12517,7 +13212,7 @@
           <p:cNvPr id="3" name="Espace réservé du texte 2">
             <a:extLst>
               <a:ext uri="{FF2B5EF4-FFF2-40B4-BE49-F238E27FC236}">
-                <a16:creationId xmlns:a16="http://schemas.microsoft.com/office/drawing/2014/main" xmlns="" id="{574B7A9F-67A4-4C8F-BE2F-0A5E0F3DBCB3}"/>
+                <a16:creationId xmlns:a16="http://schemas.microsoft.com/office/drawing/2014/main" id="{574B7A9F-67A4-4C8F-BE2F-0A5E0F3DBCB3}"/>
               </a:ext>
             </a:extLst>
           </p:cNvPr>
@@ -12582,10 +13277,10 @@
           <p:cNvPr id="37" name="Freeform 14">
             <a:extLst>
               <a:ext uri="{FF2B5EF4-FFF2-40B4-BE49-F238E27FC236}">
-                <a16:creationId xmlns:a16="http://schemas.microsoft.com/office/drawing/2014/main" xmlns="" id="{C66F2F30-5DC0-44A0-BFA6-E12F46ED16DA}"/>
+                <a16:creationId xmlns:a16="http://schemas.microsoft.com/office/drawing/2014/main" id="{C66F2F30-5DC0-44A0-BFA6-E12F46ED16DA}"/>
               </a:ext>
               <a:ext uri="{C183D7F6-B498-43B3-948B-1728B52AA6E4}">
-                <adec:decorative xmlns:adec="http://schemas.microsoft.com/office/drawing/2017/decorative" xmlns="" val="1"/>
+                <adec:decorative xmlns:adec="http://schemas.microsoft.com/office/drawing/2017/decorative" val="1"/>
               </a:ext>
             </a:extLst>
           </p:cNvPr>
@@ -12595,7 +13290,7 @@
           <p:nvPr>
             <p:extLst>
               <p:ext uri="{386F3935-93C4-4BCD-93E2-E3B085C9AB24}">
-                <p16:designElem xmlns:p16="http://schemas.microsoft.com/office/powerpoint/2015/main" xmlns="" val="1"/>
+                <p16:designElem xmlns:p16="http://schemas.microsoft.com/office/powerpoint/2015/main" val="1"/>
               </p:ext>
             </p:extLst>
           </p:nvPr>
@@ -12706,10 +13401,10 @@
           <p:cNvPr id="39" name="Freeform 21">
             <a:extLst>
               <a:ext uri="{FF2B5EF4-FFF2-40B4-BE49-F238E27FC236}">
-                <a16:creationId xmlns:a16="http://schemas.microsoft.com/office/drawing/2014/main" xmlns="" id="{85872F57-7F42-4F97-8391-DDC8D0054C03}"/>
+                <a16:creationId xmlns:a16="http://schemas.microsoft.com/office/drawing/2014/main" id="{85872F57-7F42-4F97-8391-DDC8D0054C03}"/>
               </a:ext>
               <a:ext uri="{C183D7F6-B498-43B3-948B-1728B52AA6E4}">
-                <adec:decorative xmlns:adec="http://schemas.microsoft.com/office/drawing/2017/decorative" xmlns="" val="1"/>
+                <adec:decorative xmlns:adec="http://schemas.microsoft.com/office/drawing/2017/decorative" val="1"/>
               </a:ext>
             </a:extLst>
           </p:cNvPr>
@@ -12719,7 +13414,7 @@
           <p:nvPr>
             <p:extLst>
               <p:ext uri="{386F3935-93C4-4BCD-93E2-E3B085C9AB24}">
-                <p16:designElem xmlns:p16="http://schemas.microsoft.com/office/powerpoint/2015/main" xmlns="" val="1"/>
+                <p16:designElem xmlns:p16="http://schemas.microsoft.com/office/powerpoint/2015/main" val="1"/>
               </p:ext>
             </p:extLst>
           </p:nvPr>
@@ -12862,10 +13557,10 @@
           <p:cNvPr id="41" name="Freeform: Shape 35">
             <a:extLst>
               <a:ext uri="{FF2B5EF4-FFF2-40B4-BE49-F238E27FC236}">
-                <a16:creationId xmlns:a16="http://schemas.microsoft.com/office/drawing/2014/main" xmlns="" id="{04DC2037-48A0-4F22-B9D4-8EAEBC780AB4}"/>
+                <a16:creationId xmlns:a16="http://schemas.microsoft.com/office/drawing/2014/main" id="{04DC2037-48A0-4F22-B9D4-8EAEBC780AB4}"/>
               </a:ext>
               <a:ext uri="{C183D7F6-B498-43B3-948B-1728B52AA6E4}">
-                <adec:decorative xmlns:adec="http://schemas.microsoft.com/office/drawing/2017/decorative" xmlns="" val="1"/>
+                <adec:decorative xmlns:adec="http://schemas.microsoft.com/office/drawing/2017/decorative" val="1"/>
               </a:ext>
             </a:extLst>
           </p:cNvPr>
@@ -12875,7 +13570,7 @@
           <p:nvPr>
             <p:extLst>
               <p:ext uri="{386F3935-93C4-4BCD-93E2-E3B085C9AB24}">
-                <p16:designElem xmlns:p16="http://schemas.microsoft.com/office/powerpoint/2015/main" xmlns="" val="1"/>
+                <p16:designElem xmlns:p16="http://schemas.microsoft.com/office/powerpoint/2015/main" val="1"/>
               </p:ext>
             </p:extLst>
           </p:nvPr>
@@ -12967,10 +13662,10 @@
           <p:cNvPr id="42" name="Freeform 22">
             <a:extLst>
               <a:ext uri="{FF2B5EF4-FFF2-40B4-BE49-F238E27FC236}">
-                <a16:creationId xmlns:a16="http://schemas.microsoft.com/office/drawing/2014/main" xmlns="" id="{0006CBFD-ADA0-43D1-9332-9C34CA1C76ED}"/>
+                <a16:creationId xmlns:a16="http://schemas.microsoft.com/office/drawing/2014/main" id="{0006CBFD-ADA0-43D1-9332-9C34CA1C76ED}"/>
               </a:ext>
               <a:ext uri="{C183D7F6-B498-43B3-948B-1728B52AA6E4}">
-                <adec:decorative xmlns:adec="http://schemas.microsoft.com/office/drawing/2017/decorative" xmlns="" val="1"/>
+                <adec:decorative xmlns:adec="http://schemas.microsoft.com/office/drawing/2017/decorative" val="1"/>
               </a:ext>
             </a:extLst>
           </p:cNvPr>
@@ -12980,7 +13675,7 @@
           <p:nvPr>
             <p:extLst>
               <p:ext uri="{386F3935-93C4-4BCD-93E2-E3B085C9AB24}">
-                <p16:designElem xmlns:p16="http://schemas.microsoft.com/office/powerpoint/2015/main" xmlns="" val="1"/>
+                <p16:designElem xmlns:p16="http://schemas.microsoft.com/office/powerpoint/2015/main" val="1"/>
               </p:ext>
             </p:extLst>
           </p:nvPr>
@@ -13078,10 +13773,10 @@
           <p:cNvPr id="43" name="Freeform 25">
             <a:extLst>
               <a:ext uri="{FF2B5EF4-FFF2-40B4-BE49-F238E27FC236}">
-                <a16:creationId xmlns:a16="http://schemas.microsoft.com/office/drawing/2014/main" xmlns="" id="{2B931666-F28F-45F3-A074-66D2272D580B}"/>
+                <a16:creationId xmlns:a16="http://schemas.microsoft.com/office/drawing/2014/main" id="{2B931666-F28F-45F3-A074-66D2272D580B}"/>
               </a:ext>
               <a:ext uri="{C183D7F6-B498-43B3-948B-1728B52AA6E4}">
-                <adec:decorative xmlns:adec="http://schemas.microsoft.com/office/drawing/2017/decorative" xmlns="" val="1"/>
+                <adec:decorative xmlns:adec="http://schemas.microsoft.com/office/drawing/2017/decorative" val="1"/>
               </a:ext>
             </a:extLst>
           </p:cNvPr>
@@ -13091,7 +13786,7 @@
           <p:nvPr>
             <p:extLst>
               <p:ext uri="{386F3935-93C4-4BCD-93E2-E3B085C9AB24}">
-                <p16:designElem xmlns:p16="http://schemas.microsoft.com/office/powerpoint/2015/main" xmlns="" val="1"/>
+                <p16:designElem xmlns:p16="http://schemas.microsoft.com/office/powerpoint/2015/main" val="1"/>
               </p:ext>
             </p:extLst>
           </p:nvPr>
@@ -13207,14 +13902,6 @@
   <p:clrMapOvr>
     <a:masterClrMapping/>
   </p:clrMapOvr>
-  <mc:AlternateContent xmlns:mc="http://schemas.openxmlformats.org/markup-compatibility/2006">
-    <mc:Choice xmlns:p14="http://schemas.microsoft.com/office/powerpoint/2010/main" Requires="p14">
-      <p:transition spd="slow" p14:dur="2000"/>
-    </mc:Choice>
-    <mc:Fallback>
-      <p:transition spd="slow"/>
-    </mc:Fallback>
-  </mc:AlternateContent>
 </p:sld>
 </file>
 
@@ -13473,7 +14160,302 @@
   <a:extraClrSchemeLst/>
   <a:extLst>
     <a:ext uri="{05A4C25C-085E-4340-85A3-A5531E510DB2}">
-      <thm15:themeFamily xmlns:thm15="http://schemas.microsoft.com/office/thememl/2012/main" xmlns="" name="Office Theme" id="{62F939B6-93AF-4DB8-9C6B-D6C7DFDC589F}" vid="{4A3C46E8-61CC-4603-A589-7422A47A8E4A}"/>
+      <thm15:themeFamily xmlns:thm15="http://schemas.microsoft.com/office/thememl/2012/main" name="Office Theme" id="{62F939B6-93AF-4DB8-9C6B-D6C7DFDC589F}" vid="{4A3C46E8-61CC-4603-A589-7422A47A8E4A}"/>
+    </a:ext>
+  </a:extLst>
+</a:theme>
+</file>
+
+<file path=ppt/theme/theme2.xml><?xml version="1.0" encoding="utf-8"?>
+<a:theme xmlns:a="http://schemas.openxmlformats.org/drawingml/2006/main" name="Thème Office">
+  <a:themeElements>
+    <a:clrScheme name="Office">
+      <a:dk1>
+        <a:sysClr val="windowText" lastClr="000000"/>
+      </a:dk1>
+      <a:lt1>
+        <a:sysClr val="window" lastClr="FFFFFF"/>
+      </a:lt1>
+      <a:dk2>
+        <a:srgbClr val="44546A"/>
+      </a:dk2>
+      <a:lt2>
+        <a:srgbClr val="E7E6E6"/>
+      </a:lt2>
+      <a:accent1>
+        <a:srgbClr val="4472C4"/>
+      </a:accent1>
+      <a:accent2>
+        <a:srgbClr val="ED7D31"/>
+      </a:accent2>
+      <a:accent3>
+        <a:srgbClr val="A5A5A5"/>
+      </a:accent3>
+      <a:accent4>
+        <a:srgbClr val="FFC000"/>
+      </a:accent4>
+      <a:accent5>
+        <a:srgbClr val="5B9BD5"/>
+      </a:accent5>
+      <a:accent6>
+        <a:srgbClr val="70AD47"/>
+      </a:accent6>
+      <a:hlink>
+        <a:srgbClr val="0563C1"/>
+      </a:hlink>
+      <a:folHlink>
+        <a:srgbClr val="954F72"/>
+      </a:folHlink>
+    </a:clrScheme>
+    <a:fontScheme name="Office">
+      <a:majorFont>
+        <a:latin typeface="Calibri Light" panose="020F0302020204030204"/>
+        <a:ea typeface=""/>
+        <a:cs typeface=""/>
+        <a:font script="Jpan" typeface="游ゴシック Light"/>
+        <a:font script="Hang" typeface="맑은 고딕"/>
+        <a:font script="Hans" typeface="等线 Light"/>
+        <a:font script="Hant" typeface="新細明體"/>
+        <a:font script="Arab" typeface="Times New Roman"/>
+        <a:font script="Hebr" typeface="Times New Roman"/>
+        <a:font script="Thai" typeface="Angsana New"/>
+        <a:font script="Ethi" typeface="Nyala"/>
+        <a:font script="Beng" typeface="Vrinda"/>
+        <a:font script="Gujr" typeface="Shruti"/>
+        <a:font script="Khmr" typeface="MoolBoran"/>
+        <a:font script="Knda" typeface="Tunga"/>
+        <a:font script="Guru" typeface="Raavi"/>
+        <a:font script="Cans" typeface="Euphemia"/>
+        <a:font script="Cher" typeface="Plantagenet Cherokee"/>
+        <a:font script="Yiii" typeface="Microsoft Yi Baiti"/>
+        <a:font script="Tibt" typeface="Microsoft Himalaya"/>
+        <a:font script="Thaa" typeface="MV Boli"/>
+        <a:font script="Deva" typeface="Mangal"/>
+        <a:font script="Telu" typeface="Gautami"/>
+        <a:font script="Taml" typeface="Latha"/>
+        <a:font script="Syrc" typeface="Estrangelo Edessa"/>
+        <a:font script="Orya" typeface="Kalinga"/>
+        <a:font script="Mlym" typeface="Kartika"/>
+        <a:font script="Laoo" typeface="DokChampa"/>
+        <a:font script="Sinh" typeface="Iskoola Pota"/>
+        <a:font script="Mong" typeface="Mongolian Baiti"/>
+        <a:font script="Viet" typeface="Times New Roman"/>
+        <a:font script="Uigh" typeface="Microsoft Uighur"/>
+        <a:font script="Geor" typeface="Sylfaen"/>
+        <a:font script="Armn" typeface="Arial"/>
+        <a:font script="Bugi" typeface="Leelawadee UI"/>
+        <a:font script="Bopo" typeface="Microsoft JhengHei"/>
+        <a:font script="Java" typeface="Javanese Text"/>
+        <a:font script="Lisu" typeface="Segoe UI"/>
+        <a:font script="Mymr" typeface="Myanmar Text"/>
+        <a:font script="Nkoo" typeface="Ebrima"/>
+        <a:font script="Olck" typeface="Nirmala UI"/>
+        <a:font script="Osma" typeface="Ebrima"/>
+        <a:font script="Phag" typeface="Phagspa"/>
+        <a:font script="Syrn" typeface="Estrangelo Edessa"/>
+        <a:font script="Syrj" typeface="Estrangelo Edessa"/>
+        <a:font script="Syre" typeface="Estrangelo Edessa"/>
+        <a:font script="Sora" typeface="Nirmala UI"/>
+        <a:font script="Tale" typeface="Microsoft Tai Le"/>
+        <a:font script="Talu" typeface="Microsoft New Tai Lue"/>
+        <a:font script="Tfng" typeface="Ebrima"/>
+      </a:majorFont>
+      <a:minorFont>
+        <a:latin typeface="Calibri" panose="020F0502020204030204"/>
+        <a:ea typeface=""/>
+        <a:cs typeface=""/>
+        <a:font script="Jpan" typeface="游ゴシック"/>
+        <a:font script="Hang" typeface="맑은 고딕"/>
+        <a:font script="Hans" typeface="等线"/>
+        <a:font script="Hant" typeface="新細明體"/>
+        <a:font script="Arab" typeface="Arial"/>
+        <a:font script="Hebr" typeface="Arial"/>
+        <a:font script="Thai" typeface="Cordia New"/>
+        <a:font script="Ethi" typeface="Nyala"/>
+        <a:font script="Beng" typeface="Vrinda"/>
+        <a:font script="Gujr" typeface="Shruti"/>
+        <a:font script="Khmr" typeface="DaunPenh"/>
+        <a:font script="Knda" typeface="Tunga"/>
+        <a:font script="Guru" typeface="Raavi"/>
+        <a:font script="Cans" typeface="Euphemia"/>
+        <a:font script="Cher" typeface="Plantagenet Cherokee"/>
+        <a:font script="Yiii" typeface="Microsoft Yi Baiti"/>
+        <a:font script="Tibt" typeface="Microsoft Himalaya"/>
+        <a:font script="Thaa" typeface="MV Boli"/>
+        <a:font script="Deva" typeface="Mangal"/>
+        <a:font script="Telu" typeface="Gautami"/>
+        <a:font script="Taml" typeface="Latha"/>
+        <a:font script="Syrc" typeface="Estrangelo Edessa"/>
+        <a:font script="Orya" typeface="Kalinga"/>
+        <a:font script="Mlym" typeface="Kartika"/>
+        <a:font script="Laoo" typeface="DokChampa"/>
+        <a:font script="Sinh" typeface="Iskoola Pota"/>
+        <a:font script="Mong" typeface="Mongolian Baiti"/>
+        <a:font script="Viet" typeface="Arial"/>
+        <a:font script="Uigh" typeface="Microsoft Uighur"/>
+        <a:font script="Geor" typeface="Sylfaen"/>
+        <a:font script="Armn" typeface="Arial"/>
+        <a:font script="Bugi" typeface="Leelawadee UI"/>
+        <a:font script="Bopo" typeface="Microsoft JhengHei"/>
+        <a:font script="Java" typeface="Javanese Text"/>
+        <a:font script="Lisu" typeface="Segoe UI"/>
+        <a:font script="Mymr" typeface="Myanmar Text"/>
+        <a:font script="Nkoo" typeface="Ebrima"/>
+        <a:font script="Olck" typeface="Nirmala UI"/>
+        <a:font script="Osma" typeface="Ebrima"/>
+        <a:font script="Phag" typeface="Phagspa"/>
+        <a:font script="Syrn" typeface="Estrangelo Edessa"/>
+        <a:font script="Syrj" typeface="Estrangelo Edessa"/>
+        <a:font script="Syre" typeface="Estrangelo Edessa"/>
+        <a:font script="Sora" typeface="Nirmala UI"/>
+        <a:font script="Tale" typeface="Microsoft Tai Le"/>
+        <a:font script="Talu" typeface="Microsoft New Tai Lue"/>
+        <a:font script="Tfng" typeface="Ebrima"/>
+      </a:minorFont>
+    </a:fontScheme>
+    <a:fmtScheme name="Office">
+      <a:fillStyleLst>
+        <a:solidFill>
+          <a:schemeClr val="phClr"/>
+        </a:solidFill>
+        <a:gradFill rotWithShape="1">
+          <a:gsLst>
+            <a:gs pos="0">
+              <a:schemeClr val="phClr">
+                <a:lumMod val="110000"/>
+                <a:satMod val="105000"/>
+                <a:tint val="67000"/>
+              </a:schemeClr>
+            </a:gs>
+            <a:gs pos="50000">
+              <a:schemeClr val="phClr">
+                <a:lumMod val="105000"/>
+                <a:satMod val="103000"/>
+                <a:tint val="73000"/>
+              </a:schemeClr>
+            </a:gs>
+            <a:gs pos="100000">
+              <a:schemeClr val="phClr">
+                <a:lumMod val="105000"/>
+                <a:satMod val="109000"/>
+                <a:tint val="81000"/>
+              </a:schemeClr>
+            </a:gs>
+          </a:gsLst>
+          <a:lin ang="5400000" scaled="0"/>
+        </a:gradFill>
+        <a:gradFill rotWithShape="1">
+          <a:gsLst>
+            <a:gs pos="0">
+              <a:schemeClr val="phClr">
+                <a:satMod val="103000"/>
+                <a:lumMod val="102000"/>
+                <a:tint val="94000"/>
+              </a:schemeClr>
+            </a:gs>
+            <a:gs pos="50000">
+              <a:schemeClr val="phClr">
+                <a:satMod val="110000"/>
+                <a:lumMod val="100000"/>
+                <a:shade val="100000"/>
+              </a:schemeClr>
+            </a:gs>
+            <a:gs pos="100000">
+              <a:schemeClr val="phClr">
+                <a:lumMod val="99000"/>
+                <a:satMod val="120000"/>
+                <a:shade val="78000"/>
+              </a:schemeClr>
+            </a:gs>
+          </a:gsLst>
+          <a:lin ang="5400000" scaled="0"/>
+        </a:gradFill>
+      </a:fillStyleLst>
+      <a:lnStyleLst>
+        <a:ln w="6350" cap="flat" cmpd="sng" algn="ctr">
+          <a:solidFill>
+            <a:schemeClr val="phClr"/>
+          </a:solidFill>
+          <a:prstDash val="solid"/>
+          <a:miter lim="800000"/>
+        </a:ln>
+        <a:ln w="12700" cap="flat" cmpd="sng" algn="ctr">
+          <a:solidFill>
+            <a:schemeClr val="phClr"/>
+          </a:solidFill>
+          <a:prstDash val="solid"/>
+          <a:miter lim="800000"/>
+        </a:ln>
+        <a:ln w="19050" cap="flat" cmpd="sng" algn="ctr">
+          <a:solidFill>
+            <a:schemeClr val="phClr"/>
+          </a:solidFill>
+          <a:prstDash val="solid"/>
+          <a:miter lim="800000"/>
+        </a:ln>
+      </a:lnStyleLst>
+      <a:effectStyleLst>
+        <a:effectStyle>
+          <a:effectLst/>
+        </a:effectStyle>
+        <a:effectStyle>
+          <a:effectLst/>
+        </a:effectStyle>
+        <a:effectStyle>
+          <a:effectLst>
+            <a:outerShdw blurRad="57150" dist="19050" dir="5400000" algn="ctr" rotWithShape="0">
+              <a:srgbClr val="000000">
+                <a:alpha val="63000"/>
+              </a:srgbClr>
+            </a:outerShdw>
+          </a:effectLst>
+        </a:effectStyle>
+      </a:effectStyleLst>
+      <a:bgFillStyleLst>
+        <a:solidFill>
+          <a:schemeClr val="phClr"/>
+        </a:solidFill>
+        <a:solidFill>
+          <a:schemeClr val="phClr">
+            <a:tint val="95000"/>
+            <a:satMod val="170000"/>
+          </a:schemeClr>
+        </a:solidFill>
+        <a:gradFill rotWithShape="1">
+          <a:gsLst>
+            <a:gs pos="0">
+              <a:schemeClr val="phClr">
+                <a:tint val="93000"/>
+                <a:satMod val="150000"/>
+                <a:shade val="98000"/>
+                <a:lumMod val="102000"/>
+              </a:schemeClr>
+            </a:gs>
+            <a:gs pos="50000">
+              <a:schemeClr val="phClr">
+                <a:tint val="98000"/>
+                <a:satMod val="130000"/>
+                <a:shade val="90000"/>
+                <a:lumMod val="103000"/>
+              </a:schemeClr>
+            </a:gs>
+            <a:gs pos="100000">
+              <a:schemeClr val="phClr">
+                <a:shade val="63000"/>
+                <a:satMod val="120000"/>
+              </a:schemeClr>
+            </a:gs>
+          </a:gsLst>
+          <a:lin ang="5400000" scaled="0"/>
+        </a:gradFill>
+      </a:bgFillStyleLst>
+    </a:fmtScheme>
+  </a:themeElements>
+  <a:objectDefaults/>
+  <a:extraClrSchemeLst/>
+  <a:extLst>
+    <a:ext uri="{05A4C25C-085E-4340-85A3-A5531E510DB2}">
+      <thm15:themeFamily xmlns:thm15="http://schemas.microsoft.com/office/thememl/2012/main" name="Office Theme" id="{62F939B6-93AF-4DB8-9C6B-D6C7DFDC589F}" vid="{4A3C46E8-61CC-4603-A589-7422A47A8E4A}"/>
     </a:ext>
   </a:extLst>
 </a:theme>
